--- a/docs/Day 2 - React Introduction.pptx
+++ b/docs/Day 2 - React Introduction.pptx
@@ -6638,8 +6638,8 @@
   </dgm:ptLst>
   <dgm:cxnLst>
     <dgm:cxn modelId="{B1A7F716-AC3A-4D91-9660-99AB71395A3F}" srcId="{56941AC6-EA2C-431D-94F6-9353FA1450CA}" destId="{6FDEEA62-FE71-4E77-82AA-2698082C4932}" srcOrd="0" destOrd="0" parTransId="{721A4CF8-4A18-4DDD-8B80-07A8E685605A}" sibTransId="{0289EBA4-424F-4E89-A0AF-FDAFA76755A6}"/>
+    <dgm:cxn modelId="{03FB12DF-E695-42EE-868A-2FD250250339}" type="presOf" srcId="{56941AC6-EA2C-431D-94F6-9353FA1450CA}" destId="{44B310B3-17C9-47DA-9BD2-71FD118882DE}" srcOrd="0" destOrd="0" presId="urn:microsoft.com/office/officeart/2005/8/layout/lProcess3"/>
     <dgm:cxn modelId="{3E4B64FB-4CCD-41BB-A004-AA3C3247103D}" type="presOf" srcId="{6FDEEA62-FE71-4E77-82AA-2698082C4932}" destId="{49D8894D-0D36-4692-B021-117D1E73DE50}" srcOrd="0" destOrd="0" presId="urn:microsoft.com/office/officeart/2005/8/layout/lProcess3"/>
-    <dgm:cxn modelId="{03FB12DF-E695-42EE-868A-2FD250250339}" type="presOf" srcId="{56941AC6-EA2C-431D-94F6-9353FA1450CA}" destId="{44B310B3-17C9-47DA-9BD2-71FD118882DE}" srcOrd="0" destOrd="0" presId="urn:microsoft.com/office/officeart/2005/8/layout/lProcess3"/>
     <dgm:cxn modelId="{C05F7EB9-E5C9-4997-9DF0-AEBB5F11D43D}" type="presParOf" srcId="{44B310B3-17C9-47DA-9BD2-71FD118882DE}" destId="{CCA927FF-53C7-4AE1-8A4E-0EB2036FED28}" srcOrd="0" destOrd="0" presId="urn:microsoft.com/office/officeart/2005/8/layout/lProcess3"/>
     <dgm:cxn modelId="{D3041A12-58B5-4CDF-AA1D-2C47BBDAC419}" type="presParOf" srcId="{CCA927FF-53C7-4AE1-8A4E-0EB2036FED28}" destId="{49D8894D-0D36-4692-B021-117D1E73DE50}" srcOrd="0" destOrd="0" presId="urn:microsoft.com/office/officeart/2005/8/layout/lProcess3"/>
   </dgm:cxnLst>
@@ -6811,17 +6811,12 @@
             <a:rPr lang="en-US" dirty="0" smtClean="0"/>
             <a:t>Run using command : Try URL mentioned on your screen e.g. - http://localhost:3000/ </a:t>
           </a:r>
-          <a:endParaRPr lang="en-US" dirty="0" smtClean="0"/>
         </a:p>
         <a:p>
           <a:pPr rtl="0"/>
           <a:r>
-            <a:rPr lang="en-US" dirty="0" err="1" smtClean="0"/>
-            <a:t>npm</a:t>
-          </a:r>
-          <a:r>
             <a:rPr lang="en-US" dirty="0" smtClean="0"/>
-            <a:t> start</a:t>
+            <a:t>npm start</a:t>
           </a:r>
           <a:endParaRPr lang="en-US" dirty="0"/>
         </a:p>
@@ -6978,334 +6973,6 @@
       <dsp:cNvGrpSpPr/>
     </dsp:nvGrpSpPr>
     <dsp:grpSpPr/>
-    <dsp:sp modelId="{7C28A8C2-4274-43FF-B9CC-A39D52C7BA6F}">
-      <dsp:nvSpPr>
-        <dsp:cNvPr id="0" name=""/>
-        <dsp:cNvSpPr/>
-      </dsp:nvSpPr>
-      <dsp:spPr>
-        <a:xfrm>
-          <a:off x="0" y="5449"/>
-          <a:ext cx="11454714" cy="953403"/>
-        </a:xfrm>
-        <a:prstGeom prst="roundRect">
-          <a:avLst/>
-        </a:prstGeom>
-        <a:solidFill>
-          <a:schemeClr val="accent1">
-            <a:hueOff val="0"/>
-            <a:satOff val="0"/>
-            <a:lumOff val="0"/>
-            <a:alphaOff val="0"/>
-          </a:schemeClr>
-        </a:solidFill>
-        <a:ln w="12700" cap="flat" cmpd="sng" algn="ctr">
-          <a:solidFill>
-            <a:schemeClr val="lt1">
-              <a:hueOff val="0"/>
-              <a:satOff val="0"/>
-              <a:lumOff val="0"/>
-              <a:alphaOff val="0"/>
-            </a:schemeClr>
-          </a:solidFill>
-          <a:prstDash val="solid"/>
-          <a:miter lim="800000"/>
-        </a:ln>
-        <a:effectLst/>
-      </dsp:spPr>
-      <dsp:style>
-        <a:lnRef idx="2">
-          <a:scrgbClr r="0" g="0" b="0"/>
-        </a:lnRef>
-        <a:fillRef idx="1">
-          <a:scrgbClr r="0" g="0" b="0"/>
-        </a:fillRef>
-        <a:effectRef idx="0">
-          <a:scrgbClr r="0" g="0" b="0"/>
-        </a:effectRef>
-        <a:fontRef idx="minor">
-          <a:schemeClr val="lt1"/>
-        </a:fontRef>
-      </dsp:style>
-      <dsp:txBody>
-        <a:bodyPr spcFirstLastPara="0" vert="horz" wrap="square" lIns="91440" tIns="91440" rIns="91440" bIns="91440" numCol="1" spcCol="1270" anchor="ctr" anchorCtr="0">
-          <a:noAutofit/>
-        </a:bodyPr>
-        <a:lstStyle/>
-        <a:p>
-          <a:pPr lvl="0" algn="l" defTabSz="1066800" rtl="0">
-            <a:lnSpc>
-              <a:spcPct val="90000"/>
-            </a:lnSpc>
-            <a:spcBef>
-              <a:spcPct val="0"/>
-            </a:spcBef>
-            <a:spcAft>
-              <a:spcPct val="35000"/>
-            </a:spcAft>
-          </a:pPr>
-          <a:r>
-            <a:rPr lang="en-HK" sz="2400" kern="1200" dirty="0" smtClean="0"/>
-            <a:t>The </a:t>
-          </a:r>
-          <a:r>
-            <a:rPr lang="en-HK" sz="2400" b="1" kern="1200" dirty="0" smtClean="0"/>
-            <a:t>DOM</a:t>
-          </a:r>
-          <a:r>
-            <a:rPr lang="en-HK" sz="2400" kern="1200" dirty="0" smtClean="0"/>
-            <a:t> is an object-based representation of the source </a:t>
-          </a:r>
-          <a:r>
-            <a:rPr lang="en-HK" sz="2400" b="1" kern="1200" dirty="0" smtClean="0"/>
-            <a:t>HTML </a:t>
-          </a:r>
-          <a:r>
-            <a:rPr lang="en-HK" sz="2400" kern="1200" dirty="0" smtClean="0"/>
-            <a:t>document.</a:t>
-          </a:r>
-          <a:endParaRPr lang="en-US" sz="2400" kern="1200" dirty="0"/>
-        </a:p>
-      </dsp:txBody>
-      <dsp:txXfrm>
-        <a:off x="46541" y="51990"/>
-        <a:ext cx="11361632" cy="860321"/>
-      </dsp:txXfrm>
-    </dsp:sp>
-    <dsp:sp modelId="{66349103-2F22-4071-B3DB-A728A4AB40C9}">
-      <dsp:nvSpPr>
-        <dsp:cNvPr id="0" name=""/>
-        <dsp:cNvSpPr/>
-      </dsp:nvSpPr>
-      <dsp:spPr>
-        <a:xfrm>
-          <a:off x="0" y="1027972"/>
-          <a:ext cx="11454714" cy="953403"/>
-        </a:xfrm>
-        <a:prstGeom prst="roundRect">
-          <a:avLst/>
-        </a:prstGeom>
-        <a:solidFill>
-          <a:schemeClr val="accent1">
-            <a:hueOff val="0"/>
-            <a:satOff val="0"/>
-            <a:lumOff val="0"/>
-            <a:alphaOff val="0"/>
-          </a:schemeClr>
-        </a:solidFill>
-        <a:ln w="12700" cap="flat" cmpd="sng" algn="ctr">
-          <a:solidFill>
-            <a:schemeClr val="lt1">
-              <a:hueOff val="0"/>
-              <a:satOff val="0"/>
-              <a:lumOff val="0"/>
-              <a:alphaOff val="0"/>
-            </a:schemeClr>
-          </a:solidFill>
-          <a:prstDash val="solid"/>
-          <a:miter lim="800000"/>
-        </a:ln>
-        <a:effectLst/>
-      </dsp:spPr>
-      <dsp:style>
-        <a:lnRef idx="2">
-          <a:scrgbClr r="0" g="0" b="0"/>
-        </a:lnRef>
-        <a:fillRef idx="1">
-          <a:scrgbClr r="0" g="0" b="0"/>
-        </a:fillRef>
-        <a:effectRef idx="0">
-          <a:scrgbClr r="0" g="0" b="0"/>
-        </a:effectRef>
-        <a:fontRef idx="minor">
-          <a:schemeClr val="lt1"/>
-        </a:fontRef>
-      </dsp:style>
-      <dsp:txBody>
-        <a:bodyPr spcFirstLastPara="0" vert="horz" wrap="square" lIns="91440" tIns="91440" rIns="91440" bIns="91440" numCol="1" spcCol="1270" anchor="ctr" anchorCtr="0">
-          <a:noAutofit/>
-        </a:bodyPr>
-        <a:lstStyle/>
-        <a:p>
-          <a:pPr lvl="0" algn="l" defTabSz="1066800" rtl="0">
-            <a:lnSpc>
-              <a:spcPct val="90000"/>
-            </a:lnSpc>
-            <a:spcBef>
-              <a:spcPct val="0"/>
-            </a:spcBef>
-            <a:spcAft>
-              <a:spcPct val="35000"/>
-            </a:spcAft>
-          </a:pPr>
-          <a:r>
-            <a:rPr lang="en-US" sz="2400" kern="1200" dirty="0" smtClean="0"/>
-            <a:t>To see HTML, go to chrome open a website and then press F12 and then Click on Elements </a:t>
-          </a:r>
-          <a:endParaRPr lang="en-US" sz="2400" kern="1200" dirty="0"/>
-        </a:p>
-      </dsp:txBody>
-      <dsp:txXfrm>
-        <a:off x="46541" y="1074513"/>
-        <a:ext cx="11361632" cy="860321"/>
-      </dsp:txXfrm>
-    </dsp:sp>
-    <dsp:sp modelId="{45BA92F0-EA2D-4945-B781-A853A3FB9EE9}">
-      <dsp:nvSpPr>
-        <dsp:cNvPr id="0" name=""/>
-        <dsp:cNvSpPr/>
-      </dsp:nvSpPr>
-      <dsp:spPr>
-        <a:xfrm>
-          <a:off x="0" y="2050496"/>
-          <a:ext cx="11454714" cy="953403"/>
-        </a:xfrm>
-        <a:prstGeom prst="roundRect">
-          <a:avLst/>
-        </a:prstGeom>
-        <a:solidFill>
-          <a:schemeClr val="accent1">
-            <a:hueOff val="0"/>
-            <a:satOff val="0"/>
-            <a:lumOff val="0"/>
-            <a:alphaOff val="0"/>
-          </a:schemeClr>
-        </a:solidFill>
-        <a:ln w="12700" cap="flat" cmpd="sng" algn="ctr">
-          <a:solidFill>
-            <a:schemeClr val="lt1">
-              <a:hueOff val="0"/>
-              <a:satOff val="0"/>
-              <a:lumOff val="0"/>
-              <a:alphaOff val="0"/>
-            </a:schemeClr>
-          </a:solidFill>
-          <a:prstDash val="solid"/>
-          <a:miter lim="800000"/>
-        </a:ln>
-        <a:effectLst/>
-      </dsp:spPr>
-      <dsp:style>
-        <a:lnRef idx="2">
-          <a:scrgbClr r="0" g="0" b="0"/>
-        </a:lnRef>
-        <a:fillRef idx="1">
-          <a:scrgbClr r="0" g="0" b="0"/>
-        </a:fillRef>
-        <a:effectRef idx="0">
-          <a:scrgbClr r="0" g="0" b="0"/>
-        </a:effectRef>
-        <a:fontRef idx="minor">
-          <a:schemeClr val="lt1"/>
-        </a:fontRef>
-      </dsp:style>
-      <dsp:txBody>
-        <a:bodyPr spcFirstLastPara="0" vert="horz" wrap="square" lIns="91440" tIns="91440" rIns="91440" bIns="91440" numCol="1" spcCol="1270" anchor="ctr" anchorCtr="0">
-          <a:noAutofit/>
-        </a:bodyPr>
-        <a:lstStyle/>
-        <a:p>
-          <a:pPr lvl="0" algn="l" defTabSz="1066800" rtl="0">
-            <a:lnSpc>
-              <a:spcPct val="90000"/>
-            </a:lnSpc>
-            <a:spcBef>
-              <a:spcPct val="0"/>
-            </a:spcBef>
-            <a:spcAft>
-              <a:spcPct val="35000"/>
-            </a:spcAft>
-          </a:pPr>
-          <a:r>
-            <a:rPr lang="en-US" sz="2400" kern="1200" smtClean="0"/>
-            <a:t>Virtual DOM is an object that is a representation of the browser DOM.</a:t>
-          </a:r>
-          <a:endParaRPr lang="en-US" sz="2400" kern="1200"/>
-        </a:p>
-      </dsp:txBody>
-      <dsp:txXfrm>
-        <a:off x="46541" y="2097037"/>
-        <a:ext cx="11361632" cy="860321"/>
-      </dsp:txXfrm>
-    </dsp:sp>
-    <dsp:sp modelId="{CD816F83-39DD-4D50-84CD-98BC7E7C121D}">
-      <dsp:nvSpPr>
-        <dsp:cNvPr id="0" name=""/>
-        <dsp:cNvSpPr/>
-      </dsp:nvSpPr>
-      <dsp:spPr>
-        <a:xfrm>
-          <a:off x="0" y="3073020"/>
-          <a:ext cx="11454714" cy="953403"/>
-        </a:xfrm>
-        <a:prstGeom prst="roundRect">
-          <a:avLst/>
-        </a:prstGeom>
-        <a:solidFill>
-          <a:schemeClr val="accent1">
-            <a:hueOff val="0"/>
-            <a:satOff val="0"/>
-            <a:lumOff val="0"/>
-            <a:alphaOff val="0"/>
-          </a:schemeClr>
-        </a:solidFill>
-        <a:ln w="12700" cap="flat" cmpd="sng" algn="ctr">
-          <a:solidFill>
-            <a:schemeClr val="lt1">
-              <a:hueOff val="0"/>
-              <a:satOff val="0"/>
-              <a:lumOff val="0"/>
-              <a:alphaOff val="0"/>
-            </a:schemeClr>
-          </a:solidFill>
-          <a:prstDash val="solid"/>
-          <a:miter lim="800000"/>
-        </a:ln>
-        <a:effectLst/>
-      </dsp:spPr>
-      <dsp:style>
-        <a:lnRef idx="2">
-          <a:scrgbClr r="0" g="0" b="0"/>
-        </a:lnRef>
-        <a:fillRef idx="1">
-          <a:scrgbClr r="0" g="0" b="0"/>
-        </a:fillRef>
-        <a:effectRef idx="0">
-          <a:scrgbClr r="0" g="0" b="0"/>
-        </a:effectRef>
-        <a:fontRef idx="minor">
-          <a:schemeClr val="lt1"/>
-        </a:fontRef>
-      </dsp:style>
-      <dsp:txBody>
-        <a:bodyPr spcFirstLastPara="0" vert="horz" wrap="square" lIns="91440" tIns="91440" rIns="91440" bIns="91440" numCol="1" spcCol="1270" anchor="ctr" anchorCtr="0">
-          <a:noAutofit/>
-        </a:bodyPr>
-        <a:lstStyle/>
-        <a:p>
-          <a:pPr lvl="0" algn="l" defTabSz="1066800" rtl="0">
-            <a:lnSpc>
-              <a:spcPct val="90000"/>
-            </a:lnSpc>
-            <a:spcBef>
-              <a:spcPct val="0"/>
-            </a:spcBef>
-            <a:spcAft>
-              <a:spcPct val="35000"/>
-            </a:spcAft>
-          </a:pPr>
-          <a:r>
-            <a:rPr lang="en-US" sz="2400" kern="1200" smtClean="0"/>
-            <a:t>React is fast as it uses virtual DOM instead of directly using DOM. So each part of the React can be updated independently.</a:t>
-          </a:r>
-          <a:endParaRPr lang="en-US" sz="2400" kern="1200"/>
-        </a:p>
-      </dsp:txBody>
-      <dsp:txXfrm>
-        <a:off x="46541" y="3119561"/>
-        <a:ext cx="11361632" cy="860321"/>
-      </dsp:txXfrm>
-    </dsp:sp>
   </dsp:spTree>
 </dsp:drawing>
 </file>
@@ -7318,84 +6985,6 @@
       <dsp:cNvGrpSpPr/>
     </dsp:nvGrpSpPr>
     <dsp:grpSpPr/>
-    <dsp:sp modelId="{49D8894D-0D36-4692-B021-117D1E73DE50}">
-      <dsp:nvSpPr>
-        <dsp:cNvPr id="0" name=""/>
-        <dsp:cNvSpPr/>
-      </dsp:nvSpPr>
-      <dsp:spPr>
-        <a:xfrm>
-          <a:off x="1229883" y="463"/>
-          <a:ext cx="2712308" cy="1084923"/>
-        </a:xfrm>
-        <a:prstGeom prst="chevron">
-          <a:avLst/>
-        </a:prstGeom>
-        <a:solidFill>
-          <a:schemeClr val="accent1">
-            <a:hueOff val="0"/>
-            <a:satOff val="0"/>
-            <a:lumOff val="0"/>
-            <a:alphaOff val="0"/>
-          </a:schemeClr>
-        </a:solidFill>
-        <a:ln w="12700" cap="flat" cmpd="sng" algn="ctr">
-          <a:solidFill>
-            <a:schemeClr val="lt1">
-              <a:hueOff val="0"/>
-              <a:satOff val="0"/>
-              <a:lumOff val="0"/>
-              <a:alphaOff val="0"/>
-            </a:schemeClr>
-          </a:solidFill>
-          <a:prstDash val="solid"/>
-          <a:miter lim="800000"/>
-        </a:ln>
-        <a:effectLst/>
-      </dsp:spPr>
-      <dsp:style>
-        <a:lnRef idx="2">
-          <a:scrgbClr r="0" g="0" b="0"/>
-        </a:lnRef>
-        <a:fillRef idx="1">
-          <a:scrgbClr r="0" g="0" b="0"/>
-        </a:fillRef>
-        <a:effectRef idx="0">
-          <a:scrgbClr r="0" g="0" b="0"/>
-        </a:effectRef>
-        <a:fontRef idx="minor">
-          <a:schemeClr val="lt1"/>
-        </a:fontRef>
-      </dsp:style>
-      <dsp:txBody>
-        <a:bodyPr spcFirstLastPara="0" vert="horz" wrap="square" lIns="46990" tIns="23495" rIns="0" bIns="23495" numCol="1" spcCol="1270" anchor="ctr" anchorCtr="0">
-          <a:noAutofit/>
-        </a:bodyPr>
-        <a:lstStyle/>
-        <a:p>
-          <a:pPr lvl="0" algn="ctr" defTabSz="1644650" rtl="0">
-            <a:lnSpc>
-              <a:spcPct val="90000"/>
-            </a:lnSpc>
-            <a:spcBef>
-              <a:spcPct val="0"/>
-            </a:spcBef>
-            <a:spcAft>
-              <a:spcPct val="35000"/>
-            </a:spcAft>
-          </a:pPr>
-          <a:r>
-            <a:rPr lang="en-US" sz="3700" kern="1200" dirty="0" smtClean="0"/>
-            <a:t>Why React?</a:t>
-          </a:r>
-          <a:endParaRPr lang="en-US" sz="3700" kern="1200" dirty="0"/>
-        </a:p>
-      </dsp:txBody>
-      <dsp:txXfrm>
-        <a:off x="1772345" y="463"/>
-        <a:ext cx="1627385" cy="1084923"/>
-      </dsp:txXfrm>
-    </dsp:sp>
   </dsp:spTree>
 </dsp:drawing>
 </file>
@@ -7408,663 +6997,6 @@
       <dsp:cNvGrpSpPr/>
     </dsp:nvGrpSpPr>
     <dsp:grpSpPr/>
-    <dsp:sp modelId="{69C83FB2-39C4-4303-B58D-7E322130C2F9}">
-      <dsp:nvSpPr>
-        <dsp:cNvPr id="0" name=""/>
-        <dsp:cNvSpPr/>
-      </dsp:nvSpPr>
-      <dsp:spPr>
-        <a:xfrm>
-          <a:off x="3232954" y="1684"/>
-          <a:ext cx="4463248" cy="1366277"/>
-        </a:xfrm>
-        <a:prstGeom prst="roundRect">
-          <a:avLst/>
-        </a:prstGeom>
-        <a:gradFill rotWithShape="0">
-          <a:gsLst>
-            <a:gs pos="0">
-              <a:schemeClr val="accent1">
-                <a:hueOff val="0"/>
-                <a:satOff val="0"/>
-                <a:lumOff val="0"/>
-                <a:alphaOff val="0"/>
-                <a:lumMod val="110000"/>
-                <a:satMod val="105000"/>
-                <a:tint val="67000"/>
-              </a:schemeClr>
-            </a:gs>
-            <a:gs pos="50000">
-              <a:schemeClr val="accent1">
-                <a:hueOff val="0"/>
-                <a:satOff val="0"/>
-                <a:lumOff val="0"/>
-                <a:alphaOff val="0"/>
-                <a:lumMod val="105000"/>
-                <a:satMod val="103000"/>
-                <a:tint val="73000"/>
-              </a:schemeClr>
-            </a:gs>
-            <a:gs pos="100000">
-              <a:schemeClr val="accent1">
-                <a:hueOff val="0"/>
-                <a:satOff val="0"/>
-                <a:lumOff val="0"/>
-                <a:alphaOff val="0"/>
-                <a:lumMod val="105000"/>
-                <a:satMod val="109000"/>
-                <a:tint val="81000"/>
-              </a:schemeClr>
-            </a:gs>
-          </a:gsLst>
-          <a:lin ang="5400000" scaled="0"/>
-        </a:gradFill>
-        <a:ln>
-          <a:noFill/>
-        </a:ln>
-        <a:effectLst/>
-        <a:scene3d>
-          <a:camera prst="orthographicFront"/>
-          <a:lightRig rig="flat" dir="t"/>
-        </a:scene3d>
-        <a:sp3d prstMaterial="dkEdge">
-          <a:bevelT w="8200" h="38100"/>
-        </a:sp3d>
-      </dsp:spPr>
-      <dsp:style>
-        <a:lnRef idx="0">
-          <a:scrgbClr r="0" g="0" b="0"/>
-        </a:lnRef>
-        <a:fillRef idx="2">
-          <a:scrgbClr r="0" g="0" b="0"/>
-        </a:fillRef>
-        <a:effectRef idx="1">
-          <a:scrgbClr r="0" g="0" b="0"/>
-        </a:effectRef>
-        <a:fontRef idx="minor">
-          <a:schemeClr val="dk1"/>
-        </a:fontRef>
-      </dsp:style>
-      <dsp:txBody>
-        <a:bodyPr spcFirstLastPara="0" vert="horz" wrap="square" lIns="110490" tIns="110490" rIns="110490" bIns="110490" numCol="1" spcCol="1270" anchor="ctr" anchorCtr="0">
-          <a:noAutofit/>
-        </a:bodyPr>
-        <a:lstStyle/>
-        <a:p>
-          <a:pPr lvl="0" algn="ctr" defTabSz="1289050">
-            <a:lnSpc>
-              <a:spcPct val="90000"/>
-            </a:lnSpc>
-            <a:spcBef>
-              <a:spcPct val="0"/>
-            </a:spcBef>
-            <a:spcAft>
-              <a:spcPct val="35000"/>
-            </a:spcAft>
-          </a:pPr>
-          <a:r>
-            <a:rPr lang="en-US" sz="2900" kern="1200" dirty="0" smtClean="0"/>
-            <a:t>MODEL (React Component, Virtual DOM, REDUX)</a:t>
-          </a:r>
-          <a:endParaRPr lang="en-US" sz="2900" kern="1200" dirty="0"/>
-        </a:p>
-      </dsp:txBody>
-      <dsp:txXfrm>
-        <a:off x="3299650" y="68380"/>
-        <a:ext cx="4329856" cy="1232885"/>
-      </dsp:txXfrm>
-    </dsp:sp>
-    <dsp:sp modelId="{3833C0CE-2923-41A1-B7E5-DBE629650FAF}">
-      <dsp:nvSpPr>
-        <dsp:cNvPr id="0" name=""/>
-        <dsp:cNvSpPr/>
-      </dsp:nvSpPr>
-      <dsp:spPr>
-        <a:xfrm>
-          <a:off x="2804896" y="1088749"/>
-          <a:ext cx="4511512" cy="4511512"/>
-        </a:xfrm>
-        <a:custGeom>
-          <a:avLst/>
-          <a:gdLst/>
-          <a:ahLst/>
-          <a:cxnLst/>
-          <a:rect l="0" t="0" r="0" b="0"/>
-          <a:pathLst>
-            <a:path>
-              <a:moveTo>
-                <a:pt x="3556052" y="412480"/>
-              </a:moveTo>
-              <a:arcTo wR="2255756" hR="2255756" stAng="18312011" swAng="1175978"/>
-            </a:path>
-          </a:pathLst>
-        </a:custGeom>
-        <a:noFill/>
-        <a:ln w="6350" cap="flat" cmpd="sng" algn="ctr">
-          <a:solidFill>
-            <a:schemeClr val="accent1">
-              <a:hueOff val="0"/>
-              <a:satOff val="0"/>
-              <a:lumOff val="0"/>
-              <a:alphaOff val="0"/>
-            </a:schemeClr>
-          </a:solidFill>
-          <a:prstDash val="solid"/>
-          <a:miter lim="800000"/>
-          <a:tailEnd type="arrow"/>
-        </a:ln>
-        <a:effectLst/>
-      </dsp:spPr>
-      <dsp:style>
-        <a:lnRef idx="1">
-          <a:scrgbClr r="0" g="0" b="0"/>
-        </a:lnRef>
-        <a:fillRef idx="0">
-          <a:scrgbClr r="0" g="0" b="0"/>
-        </a:fillRef>
-        <a:effectRef idx="0">
-          <a:scrgbClr r="0" g="0" b="0"/>
-        </a:effectRef>
-        <a:fontRef idx="minor"/>
-      </dsp:style>
-    </dsp:sp>
-    <dsp:sp modelId="{1BDC8733-F591-4FDD-8C80-05E9CC08DA07}">
-      <dsp:nvSpPr>
-        <dsp:cNvPr id="0" name=""/>
-        <dsp:cNvSpPr/>
-      </dsp:nvSpPr>
-      <dsp:spPr>
-        <a:xfrm>
-          <a:off x="6198648" y="2257440"/>
-          <a:ext cx="3043371" cy="1366277"/>
-        </a:xfrm>
-        <a:prstGeom prst="roundRect">
-          <a:avLst/>
-        </a:prstGeom>
-        <a:gradFill rotWithShape="0">
-          <a:gsLst>
-            <a:gs pos="0">
-              <a:schemeClr val="accent1">
-                <a:hueOff val="0"/>
-                <a:satOff val="0"/>
-                <a:lumOff val="0"/>
-                <a:alphaOff val="0"/>
-                <a:lumMod val="110000"/>
-                <a:satMod val="105000"/>
-                <a:tint val="67000"/>
-              </a:schemeClr>
-            </a:gs>
-            <a:gs pos="50000">
-              <a:schemeClr val="accent1">
-                <a:hueOff val="0"/>
-                <a:satOff val="0"/>
-                <a:lumOff val="0"/>
-                <a:alphaOff val="0"/>
-                <a:lumMod val="105000"/>
-                <a:satMod val="103000"/>
-                <a:tint val="73000"/>
-              </a:schemeClr>
-            </a:gs>
-            <a:gs pos="100000">
-              <a:schemeClr val="accent1">
-                <a:hueOff val="0"/>
-                <a:satOff val="0"/>
-                <a:lumOff val="0"/>
-                <a:alphaOff val="0"/>
-                <a:lumMod val="105000"/>
-                <a:satMod val="109000"/>
-                <a:tint val="81000"/>
-              </a:schemeClr>
-            </a:gs>
-          </a:gsLst>
-          <a:lin ang="5400000" scaled="0"/>
-        </a:gradFill>
-        <a:ln>
-          <a:noFill/>
-        </a:ln>
-        <a:effectLst/>
-        <a:scene3d>
-          <a:camera prst="orthographicFront"/>
-          <a:lightRig rig="flat" dir="t"/>
-        </a:scene3d>
-        <a:sp3d prstMaterial="dkEdge">
-          <a:bevelT w="8200" h="38100"/>
-        </a:sp3d>
-      </dsp:spPr>
-      <dsp:style>
-        <a:lnRef idx="0">
-          <a:scrgbClr r="0" g="0" b="0"/>
-        </a:lnRef>
-        <a:fillRef idx="2">
-          <a:scrgbClr r="0" g="0" b="0"/>
-        </a:fillRef>
-        <a:effectRef idx="1">
-          <a:scrgbClr r="0" g="0" b="0"/>
-        </a:effectRef>
-        <a:fontRef idx="minor">
-          <a:schemeClr val="dk1"/>
-        </a:fontRef>
-      </dsp:style>
-      <dsp:txBody>
-        <a:bodyPr spcFirstLastPara="0" vert="horz" wrap="square" lIns="110490" tIns="110490" rIns="110490" bIns="110490" numCol="1" spcCol="1270" anchor="ctr" anchorCtr="0">
-          <a:noAutofit/>
-        </a:bodyPr>
-        <a:lstStyle/>
-        <a:p>
-          <a:pPr lvl="0" algn="ctr" defTabSz="1289050">
-            <a:lnSpc>
-              <a:spcPct val="90000"/>
-            </a:lnSpc>
-            <a:spcBef>
-              <a:spcPct val="0"/>
-            </a:spcBef>
-            <a:spcAft>
-              <a:spcPct val="35000"/>
-            </a:spcAft>
-          </a:pPr>
-          <a:r>
-            <a:rPr lang="en-US" sz="2900" kern="1200" dirty="0" smtClean="0"/>
-            <a:t>VIEW </a:t>
-          </a:r>
-        </a:p>
-        <a:p>
-          <a:pPr lvl="0" algn="ctr" defTabSz="1289050">
-            <a:lnSpc>
-              <a:spcPct val="90000"/>
-            </a:lnSpc>
-            <a:spcBef>
-              <a:spcPct val="0"/>
-            </a:spcBef>
-            <a:spcAft>
-              <a:spcPct val="35000"/>
-            </a:spcAft>
-          </a:pPr>
-          <a:r>
-            <a:rPr lang="en-US" sz="2900" kern="1200" dirty="0" smtClean="0"/>
-            <a:t>(Browser DOM)</a:t>
-          </a:r>
-          <a:endParaRPr lang="en-US" sz="2900" kern="1200" dirty="0"/>
-        </a:p>
-      </dsp:txBody>
-      <dsp:txXfrm>
-        <a:off x="6265344" y="2324136"/>
-        <a:ext cx="2909979" cy="1232885"/>
-      </dsp:txXfrm>
-    </dsp:sp>
-    <dsp:sp modelId="{42CB8E8F-9235-47EB-A19D-C6CA0A909844}">
-      <dsp:nvSpPr>
-        <dsp:cNvPr id="0" name=""/>
-        <dsp:cNvSpPr/>
-      </dsp:nvSpPr>
-      <dsp:spPr>
-        <a:xfrm>
-          <a:off x="2804896" y="280896"/>
-          <a:ext cx="4511512" cy="4511512"/>
-        </a:xfrm>
-        <a:custGeom>
-          <a:avLst/>
-          <a:gdLst/>
-          <a:ahLst/>
-          <a:cxnLst/>
-          <a:rect l="0" t="0" r="0" b="0"/>
-          <a:pathLst>
-            <a:path>
-              <a:moveTo>
-                <a:pt x="4099031" y="3556052"/>
-              </a:moveTo>
-              <a:arcTo wR="2255756" hR="2255756" stAng="2112011" swAng="1175978"/>
-            </a:path>
-          </a:pathLst>
-        </a:custGeom>
-        <a:noFill/>
-        <a:ln w="6350" cap="flat" cmpd="sng" algn="ctr">
-          <a:solidFill>
-            <a:schemeClr val="accent1">
-              <a:hueOff val="0"/>
-              <a:satOff val="0"/>
-              <a:lumOff val="0"/>
-              <a:alphaOff val="0"/>
-            </a:schemeClr>
-          </a:solidFill>
-          <a:prstDash val="solid"/>
-          <a:miter lim="800000"/>
-          <a:tailEnd type="arrow"/>
-        </a:ln>
-        <a:effectLst/>
-      </dsp:spPr>
-      <dsp:style>
-        <a:lnRef idx="1">
-          <a:scrgbClr r="0" g="0" b="0"/>
-        </a:lnRef>
-        <a:fillRef idx="0">
-          <a:scrgbClr r="0" g="0" b="0"/>
-        </a:fillRef>
-        <a:effectRef idx="0">
-          <a:scrgbClr r="0" g="0" b="0"/>
-        </a:effectRef>
-        <a:fontRef idx="minor"/>
-      </dsp:style>
-    </dsp:sp>
-    <dsp:sp modelId="{47D4394A-76CC-481F-8384-859C5A57053A}">
-      <dsp:nvSpPr>
-        <dsp:cNvPr id="0" name=""/>
-        <dsp:cNvSpPr/>
-      </dsp:nvSpPr>
-      <dsp:spPr>
-        <a:xfrm>
-          <a:off x="3194855" y="4513196"/>
-          <a:ext cx="4539445" cy="1366277"/>
-        </a:xfrm>
-        <a:prstGeom prst="roundRect">
-          <a:avLst/>
-        </a:prstGeom>
-        <a:gradFill rotWithShape="0">
-          <a:gsLst>
-            <a:gs pos="0">
-              <a:schemeClr val="accent1">
-                <a:hueOff val="0"/>
-                <a:satOff val="0"/>
-                <a:lumOff val="0"/>
-                <a:alphaOff val="0"/>
-                <a:lumMod val="110000"/>
-                <a:satMod val="105000"/>
-                <a:tint val="67000"/>
-              </a:schemeClr>
-            </a:gs>
-            <a:gs pos="50000">
-              <a:schemeClr val="accent1">
-                <a:hueOff val="0"/>
-                <a:satOff val="0"/>
-                <a:lumOff val="0"/>
-                <a:alphaOff val="0"/>
-                <a:lumMod val="105000"/>
-                <a:satMod val="103000"/>
-                <a:tint val="73000"/>
-              </a:schemeClr>
-            </a:gs>
-            <a:gs pos="100000">
-              <a:schemeClr val="accent1">
-                <a:hueOff val="0"/>
-                <a:satOff val="0"/>
-                <a:lumOff val="0"/>
-                <a:alphaOff val="0"/>
-                <a:lumMod val="105000"/>
-                <a:satMod val="109000"/>
-                <a:tint val="81000"/>
-              </a:schemeClr>
-            </a:gs>
-          </a:gsLst>
-          <a:lin ang="5400000" scaled="0"/>
-        </a:gradFill>
-        <a:ln>
-          <a:noFill/>
-        </a:ln>
-        <a:effectLst/>
-        <a:scene3d>
-          <a:camera prst="orthographicFront"/>
-          <a:lightRig rig="flat" dir="t"/>
-        </a:scene3d>
-        <a:sp3d prstMaterial="dkEdge">
-          <a:bevelT w="8200" h="38100"/>
-        </a:sp3d>
-      </dsp:spPr>
-      <dsp:style>
-        <a:lnRef idx="0">
-          <a:scrgbClr r="0" g="0" b="0"/>
-        </a:lnRef>
-        <a:fillRef idx="2">
-          <a:scrgbClr r="0" g="0" b="0"/>
-        </a:fillRef>
-        <a:effectRef idx="1">
-          <a:scrgbClr r="0" g="0" b="0"/>
-        </a:effectRef>
-        <a:fontRef idx="minor">
-          <a:schemeClr val="dk1"/>
-        </a:fontRef>
-      </dsp:style>
-      <dsp:txBody>
-        <a:bodyPr spcFirstLastPara="0" vert="horz" wrap="square" lIns="110490" tIns="110490" rIns="110490" bIns="110490" numCol="1" spcCol="1270" anchor="ctr" anchorCtr="0">
-          <a:noAutofit/>
-        </a:bodyPr>
-        <a:lstStyle/>
-        <a:p>
-          <a:pPr lvl="0" algn="ctr" defTabSz="1289050">
-            <a:lnSpc>
-              <a:spcPct val="90000"/>
-            </a:lnSpc>
-            <a:spcBef>
-              <a:spcPct val="0"/>
-            </a:spcBef>
-            <a:spcAft>
-              <a:spcPct val="35000"/>
-            </a:spcAft>
-          </a:pPr>
-          <a:r>
-            <a:rPr lang="en-US" sz="2900" kern="1200" dirty="0" smtClean="0"/>
-            <a:t>USER </a:t>
-          </a:r>
-          <a:endParaRPr lang="en-US" sz="2900" kern="1200" dirty="0"/>
-        </a:p>
-      </dsp:txBody>
-      <dsp:txXfrm>
-        <a:off x="3261551" y="4579892"/>
-        <a:ext cx="4406053" cy="1232885"/>
-      </dsp:txXfrm>
-    </dsp:sp>
-    <dsp:sp modelId="{537C0AAA-0EC5-49AE-9C3C-81AFC2BFAC78}">
-      <dsp:nvSpPr>
-        <dsp:cNvPr id="0" name=""/>
-        <dsp:cNvSpPr/>
-      </dsp:nvSpPr>
-      <dsp:spPr>
-        <a:xfrm>
-          <a:off x="3620989" y="279191"/>
-          <a:ext cx="4511512" cy="4511512"/>
-        </a:xfrm>
-        <a:custGeom>
-          <a:avLst/>
-          <a:gdLst/>
-          <a:ahLst/>
-          <a:cxnLst/>
-          <a:rect l="0" t="0" r="0" b="0"/>
-          <a:pathLst>
-            <a:path>
-              <a:moveTo>
-                <a:pt x="951326" y="4096109"/>
-              </a:moveTo>
-              <a:arcTo wR="2255756" hR="2255756" stAng="7519725" swAng="1218127"/>
-            </a:path>
-          </a:pathLst>
-        </a:custGeom>
-        <a:noFill/>
-        <a:ln w="6350" cap="flat" cmpd="sng" algn="ctr">
-          <a:solidFill>
-            <a:schemeClr val="accent1">
-              <a:hueOff val="0"/>
-              <a:satOff val="0"/>
-              <a:lumOff val="0"/>
-              <a:alphaOff val="0"/>
-            </a:schemeClr>
-          </a:solidFill>
-          <a:prstDash val="solid"/>
-          <a:miter lim="800000"/>
-          <a:tailEnd type="arrow"/>
-        </a:ln>
-        <a:effectLst/>
-      </dsp:spPr>
-      <dsp:style>
-        <a:lnRef idx="1">
-          <a:scrgbClr r="0" g="0" b="0"/>
-        </a:lnRef>
-        <a:fillRef idx="0">
-          <a:scrgbClr r="0" g="0" b="0"/>
-        </a:fillRef>
-        <a:effectRef idx="0">
-          <a:scrgbClr r="0" g="0" b="0"/>
-        </a:effectRef>
-        <a:fontRef idx="minor"/>
-      </dsp:style>
-    </dsp:sp>
-    <dsp:sp modelId="{C0B887FC-68C4-4F69-AA62-AB4DBDFE782B}">
-      <dsp:nvSpPr>
-        <dsp:cNvPr id="0" name=""/>
-        <dsp:cNvSpPr/>
-      </dsp:nvSpPr>
-      <dsp:spPr>
-        <a:xfrm>
-          <a:off x="1711735" y="2219346"/>
-          <a:ext cx="2994185" cy="1366277"/>
-        </a:xfrm>
-        <a:prstGeom prst="roundRect">
-          <a:avLst/>
-        </a:prstGeom>
-        <a:gradFill rotWithShape="0">
-          <a:gsLst>
-            <a:gs pos="0">
-              <a:schemeClr val="accent1">
-                <a:hueOff val="0"/>
-                <a:satOff val="0"/>
-                <a:lumOff val="0"/>
-                <a:alphaOff val="0"/>
-                <a:lumMod val="110000"/>
-                <a:satMod val="105000"/>
-                <a:tint val="67000"/>
-              </a:schemeClr>
-            </a:gs>
-            <a:gs pos="50000">
-              <a:schemeClr val="accent1">
-                <a:hueOff val="0"/>
-                <a:satOff val="0"/>
-                <a:lumOff val="0"/>
-                <a:alphaOff val="0"/>
-                <a:lumMod val="105000"/>
-                <a:satMod val="103000"/>
-                <a:tint val="73000"/>
-              </a:schemeClr>
-            </a:gs>
-            <a:gs pos="100000">
-              <a:schemeClr val="accent1">
-                <a:hueOff val="0"/>
-                <a:satOff val="0"/>
-                <a:lumOff val="0"/>
-                <a:alphaOff val="0"/>
-                <a:lumMod val="105000"/>
-                <a:satMod val="109000"/>
-                <a:tint val="81000"/>
-              </a:schemeClr>
-            </a:gs>
-          </a:gsLst>
-          <a:lin ang="5400000" scaled="0"/>
-        </a:gradFill>
-        <a:ln>
-          <a:noFill/>
-        </a:ln>
-        <a:effectLst/>
-        <a:scene3d>
-          <a:camera prst="orthographicFront"/>
-          <a:lightRig rig="flat" dir="t"/>
-        </a:scene3d>
-        <a:sp3d prstMaterial="dkEdge">
-          <a:bevelT w="8200" h="38100"/>
-        </a:sp3d>
-      </dsp:spPr>
-      <dsp:style>
-        <a:lnRef idx="0">
-          <a:scrgbClr r="0" g="0" b="0"/>
-        </a:lnRef>
-        <a:fillRef idx="2">
-          <a:scrgbClr r="0" g="0" b="0"/>
-        </a:fillRef>
-        <a:effectRef idx="1">
-          <a:scrgbClr r="0" g="0" b="0"/>
-        </a:effectRef>
-        <a:fontRef idx="minor">
-          <a:schemeClr val="dk1"/>
-        </a:fontRef>
-      </dsp:style>
-      <dsp:txBody>
-        <a:bodyPr spcFirstLastPara="0" vert="horz" wrap="square" lIns="106680" tIns="106680" rIns="106680" bIns="106680" numCol="1" spcCol="1270" anchor="ctr" anchorCtr="0">
-          <a:noAutofit/>
-        </a:bodyPr>
-        <a:lstStyle/>
-        <a:p>
-          <a:pPr lvl="0" algn="ctr" defTabSz="1244600">
-            <a:lnSpc>
-              <a:spcPct val="90000"/>
-            </a:lnSpc>
-            <a:spcBef>
-              <a:spcPct val="0"/>
-            </a:spcBef>
-            <a:spcAft>
-              <a:spcPct val="35000"/>
-            </a:spcAft>
-          </a:pPr>
-          <a:r>
-            <a:rPr lang="en-US" sz="2800" kern="1200" dirty="0" smtClean="0"/>
-            <a:t>CONTROLLER (Click events, etc.)</a:t>
-          </a:r>
-          <a:endParaRPr lang="en-US" sz="2800" kern="1200" dirty="0"/>
-        </a:p>
-      </dsp:txBody>
-      <dsp:txXfrm>
-        <a:off x="1778431" y="2286042"/>
-        <a:ext cx="2860793" cy="1232885"/>
-      </dsp:txXfrm>
-    </dsp:sp>
-    <dsp:sp modelId="{7FB5BA7D-E10A-40EE-BD04-773ED61CEFBB}">
-      <dsp:nvSpPr>
-        <dsp:cNvPr id="0" name=""/>
-        <dsp:cNvSpPr/>
-      </dsp:nvSpPr>
-      <dsp:spPr>
-        <a:xfrm>
-          <a:off x="3603997" y="1087106"/>
-          <a:ext cx="4511512" cy="4511512"/>
-        </a:xfrm>
-        <a:custGeom>
-          <a:avLst/>
-          <a:gdLst/>
-          <a:ahLst/>
-          <a:cxnLst/>
-          <a:rect l="0" t="0" r="0" b="0"/>
-          <a:pathLst>
-            <a:path>
-              <a:moveTo>
-                <a:pt x="431769" y="928538"/>
-              </a:moveTo>
-              <a:arcTo wR="2255756" hR="2255756" stAng="12962483" swAng="1133573"/>
-            </a:path>
-          </a:pathLst>
-        </a:custGeom>
-        <a:noFill/>
-        <a:ln w="6350" cap="flat" cmpd="sng" algn="ctr">
-          <a:solidFill>
-            <a:schemeClr val="accent1">
-              <a:hueOff val="0"/>
-              <a:satOff val="0"/>
-              <a:lumOff val="0"/>
-              <a:alphaOff val="0"/>
-            </a:schemeClr>
-          </a:solidFill>
-          <a:prstDash val="solid"/>
-          <a:miter lim="800000"/>
-          <a:tailEnd type="arrow"/>
-        </a:ln>
-        <a:effectLst/>
-      </dsp:spPr>
-      <dsp:style>
-        <a:lnRef idx="1">
-          <a:scrgbClr r="0" g="0" b="0"/>
-        </a:lnRef>
-        <a:fillRef idx="0">
-          <a:scrgbClr r="0" g="0" b="0"/>
-        </a:fillRef>
-        <a:effectRef idx="0">
-          <a:scrgbClr r="0" g="0" b="0"/>
-        </a:effectRef>
-        <a:fontRef idx="minor"/>
-      </dsp:style>
-    </dsp:sp>
   </dsp:spTree>
 </dsp:drawing>
 </file>
@@ -8077,84 +7009,6 @@
       <dsp:cNvGrpSpPr/>
     </dsp:nvGrpSpPr>
     <dsp:grpSpPr/>
-    <dsp:sp modelId="{49D8894D-0D36-4692-B021-117D1E73DE50}">
-      <dsp:nvSpPr>
-        <dsp:cNvPr id="0" name=""/>
-        <dsp:cNvSpPr/>
-      </dsp:nvSpPr>
-      <dsp:spPr>
-        <a:xfrm>
-          <a:off x="1229883" y="463"/>
-          <a:ext cx="2712308" cy="1084923"/>
-        </a:xfrm>
-        <a:prstGeom prst="chevron">
-          <a:avLst/>
-        </a:prstGeom>
-        <a:solidFill>
-          <a:schemeClr val="accent1">
-            <a:hueOff val="0"/>
-            <a:satOff val="0"/>
-            <a:lumOff val="0"/>
-            <a:alphaOff val="0"/>
-          </a:schemeClr>
-        </a:solidFill>
-        <a:ln w="12700" cap="flat" cmpd="sng" algn="ctr">
-          <a:solidFill>
-            <a:schemeClr val="lt1">
-              <a:hueOff val="0"/>
-              <a:satOff val="0"/>
-              <a:lumOff val="0"/>
-              <a:alphaOff val="0"/>
-            </a:schemeClr>
-          </a:solidFill>
-          <a:prstDash val="solid"/>
-          <a:miter lim="800000"/>
-        </a:ln>
-        <a:effectLst/>
-      </dsp:spPr>
-      <dsp:style>
-        <a:lnRef idx="2">
-          <a:scrgbClr r="0" g="0" b="0"/>
-        </a:lnRef>
-        <a:fillRef idx="1">
-          <a:scrgbClr r="0" g="0" b="0"/>
-        </a:fillRef>
-        <a:effectRef idx="0">
-          <a:scrgbClr r="0" g="0" b="0"/>
-        </a:effectRef>
-        <a:fontRef idx="minor">
-          <a:schemeClr val="lt1"/>
-        </a:fontRef>
-      </dsp:style>
-      <dsp:txBody>
-        <a:bodyPr spcFirstLastPara="0" vert="horz" wrap="square" lIns="46990" tIns="23495" rIns="0" bIns="23495" numCol="1" spcCol="1270" anchor="ctr" anchorCtr="0">
-          <a:noAutofit/>
-        </a:bodyPr>
-        <a:lstStyle/>
-        <a:p>
-          <a:pPr lvl="0" algn="ctr" defTabSz="1644650" rtl="0">
-            <a:lnSpc>
-              <a:spcPct val="90000"/>
-            </a:lnSpc>
-            <a:spcBef>
-              <a:spcPct val="0"/>
-            </a:spcBef>
-            <a:spcAft>
-              <a:spcPct val="35000"/>
-            </a:spcAft>
-          </a:pPr>
-          <a:r>
-            <a:rPr lang="en-US" sz="3700" kern="1200" dirty="0" smtClean="0"/>
-            <a:t>Why React?</a:t>
-          </a:r>
-          <a:endParaRPr lang="en-US" sz="3700" kern="1200" dirty="0"/>
-        </a:p>
-      </dsp:txBody>
-      <dsp:txXfrm>
-        <a:off x="1772345" y="463"/>
-        <a:ext cx="1627385" cy="1084923"/>
-      </dsp:txXfrm>
-    </dsp:sp>
   </dsp:spTree>
 </dsp:drawing>
 </file>
@@ -8167,396 +7021,6 @@
       <dsp:cNvGrpSpPr/>
     </dsp:nvGrpSpPr>
     <dsp:grpSpPr/>
-    <dsp:sp modelId="{7C28A8C2-4274-43FF-B9CC-A39D52C7BA6F}">
-      <dsp:nvSpPr>
-        <dsp:cNvPr id="0" name=""/>
-        <dsp:cNvSpPr/>
-      </dsp:nvSpPr>
-      <dsp:spPr>
-        <a:xfrm>
-          <a:off x="0" y="570041"/>
-          <a:ext cx="11454714" cy="527670"/>
-        </a:xfrm>
-        <a:prstGeom prst="roundRect">
-          <a:avLst/>
-        </a:prstGeom>
-        <a:solidFill>
-          <a:schemeClr val="accent1">
-            <a:hueOff val="0"/>
-            <a:satOff val="0"/>
-            <a:lumOff val="0"/>
-            <a:alphaOff val="0"/>
-          </a:schemeClr>
-        </a:solidFill>
-        <a:ln w="12700" cap="flat" cmpd="sng" algn="ctr">
-          <a:solidFill>
-            <a:schemeClr val="lt1">
-              <a:hueOff val="0"/>
-              <a:satOff val="0"/>
-              <a:lumOff val="0"/>
-              <a:alphaOff val="0"/>
-            </a:schemeClr>
-          </a:solidFill>
-          <a:prstDash val="solid"/>
-          <a:miter lim="800000"/>
-        </a:ln>
-        <a:effectLst/>
-      </dsp:spPr>
-      <dsp:style>
-        <a:lnRef idx="2">
-          <a:scrgbClr r="0" g="0" b="0"/>
-        </a:lnRef>
-        <a:fillRef idx="1">
-          <a:scrgbClr r="0" g="0" b="0"/>
-        </a:fillRef>
-        <a:effectRef idx="0">
-          <a:scrgbClr r="0" g="0" b="0"/>
-        </a:effectRef>
-        <a:fontRef idx="minor">
-          <a:schemeClr val="lt1"/>
-        </a:fontRef>
-      </dsp:style>
-      <dsp:txBody>
-        <a:bodyPr spcFirstLastPara="0" vert="horz" wrap="square" lIns="83820" tIns="83820" rIns="83820" bIns="83820" numCol="1" spcCol="1270" anchor="ctr" anchorCtr="0">
-          <a:noAutofit/>
-        </a:bodyPr>
-        <a:lstStyle/>
-        <a:p>
-          <a:pPr lvl="0" algn="l" defTabSz="977900" rtl="0">
-            <a:lnSpc>
-              <a:spcPct val="90000"/>
-            </a:lnSpc>
-            <a:spcBef>
-              <a:spcPct val="0"/>
-            </a:spcBef>
-            <a:spcAft>
-              <a:spcPct val="35000"/>
-            </a:spcAft>
-          </a:pPr>
-          <a:r>
-            <a:rPr lang="en-HK" sz="2200" kern="1200" dirty="0" smtClean="0"/>
-            <a:t>Can produce 200,000 virtual DOM nodes a second</a:t>
-          </a:r>
-          <a:endParaRPr lang="en-US" sz="2200" kern="1200" dirty="0"/>
-        </a:p>
-      </dsp:txBody>
-      <dsp:txXfrm>
-        <a:off x="25759" y="595800"/>
-        <a:ext cx="11403196" cy="476152"/>
-      </dsp:txXfrm>
-    </dsp:sp>
-    <dsp:sp modelId="{66349103-2F22-4071-B3DB-A728A4AB40C9}">
-      <dsp:nvSpPr>
-        <dsp:cNvPr id="0" name=""/>
-        <dsp:cNvSpPr/>
-      </dsp:nvSpPr>
-      <dsp:spPr>
-        <a:xfrm>
-          <a:off x="0" y="1161071"/>
-          <a:ext cx="11454714" cy="527670"/>
-        </a:xfrm>
-        <a:prstGeom prst="roundRect">
-          <a:avLst/>
-        </a:prstGeom>
-        <a:solidFill>
-          <a:schemeClr val="accent1">
-            <a:hueOff val="0"/>
-            <a:satOff val="0"/>
-            <a:lumOff val="0"/>
-            <a:alphaOff val="0"/>
-          </a:schemeClr>
-        </a:solidFill>
-        <a:ln w="12700" cap="flat" cmpd="sng" algn="ctr">
-          <a:solidFill>
-            <a:schemeClr val="lt1">
-              <a:hueOff val="0"/>
-              <a:satOff val="0"/>
-              <a:lumOff val="0"/>
-              <a:alphaOff val="0"/>
-            </a:schemeClr>
-          </a:solidFill>
-          <a:prstDash val="solid"/>
-          <a:miter lim="800000"/>
-        </a:ln>
-        <a:effectLst/>
-      </dsp:spPr>
-      <dsp:style>
-        <a:lnRef idx="2">
-          <a:scrgbClr r="0" g="0" b="0"/>
-        </a:lnRef>
-        <a:fillRef idx="1">
-          <a:scrgbClr r="0" g="0" b="0"/>
-        </a:fillRef>
-        <a:effectRef idx="0">
-          <a:scrgbClr r="0" g="0" b="0"/>
-        </a:effectRef>
-        <a:fontRef idx="minor">
-          <a:schemeClr val="lt1"/>
-        </a:fontRef>
-      </dsp:style>
-      <dsp:txBody>
-        <a:bodyPr spcFirstLastPara="0" vert="horz" wrap="square" lIns="83820" tIns="83820" rIns="83820" bIns="83820" numCol="1" spcCol="1270" anchor="ctr" anchorCtr="0">
-          <a:noAutofit/>
-        </a:bodyPr>
-        <a:lstStyle/>
-        <a:p>
-          <a:pPr lvl="0" algn="l" defTabSz="977900" rtl="0">
-            <a:lnSpc>
-              <a:spcPct val="90000"/>
-            </a:lnSpc>
-            <a:spcBef>
-              <a:spcPct val="0"/>
-            </a:spcBef>
-            <a:spcAft>
-              <a:spcPct val="35000"/>
-            </a:spcAft>
-          </a:pPr>
-          <a:r>
-            <a:rPr lang="en-US" sz="2200" kern="1200" dirty="0" smtClean="0"/>
-            <a:t>React website – (https://facebook.github.io/react/docs/reconciliation.html)</a:t>
-          </a:r>
-          <a:endParaRPr lang="en-US" sz="2200" kern="1200" dirty="0"/>
-        </a:p>
-      </dsp:txBody>
-      <dsp:txXfrm>
-        <a:off x="25759" y="1186830"/>
-        <a:ext cx="11403196" cy="476152"/>
-      </dsp:txXfrm>
-    </dsp:sp>
-    <dsp:sp modelId="{45BA92F0-EA2D-4945-B781-A853A3FB9EE9}">
-      <dsp:nvSpPr>
-        <dsp:cNvPr id="0" name=""/>
-        <dsp:cNvSpPr/>
-      </dsp:nvSpPr>
-      <dsp:spPr>
-        <a:xfrm>
-          <a:off x="0" y="1752101"/>
-          <a:ext cx="11454714" cy="527670"/>
-        </a:xfrm>
-        <a:prstGeom prst="roundRect">
-          <a:avLst/>
-        </a:prstGeom>
-        <a:solidFill>
-          <a:schemeClr val="accent1">
-            <a:hueOff val="0"/>
-            <a:satOff val="0"/>
-            <a:lumOff val="0"/>
-            <a:alphaOff val="0"/>
-          </a:schemeClr>
-        </a:solidFill>
-        <a:ln w="12700" cap="flat" cmpd="sng" algn="ctr">
-          <a:solidFill>
-            <a:schemeClr val="lt1">
-              <a:hueOff val="0"/>
-              <a:satOff val="0"/>
-              <a:lumOff val="0"/>
-              <a:alphaOff val="0"/>
-            </a:schemeClr>
-          </a:solidFill>
-          <a:prstDash val="solid"/>
-          <a:miter lim="800000"/>
-        </a:ln>
-        <a:effectLst/>
-      </dsp:spPr>
-      <dsp:style>
-        <a:lnRef idx="2">
-          <a:scrgbClr r="0" g="0" b="0"/>
-        </a:lnRef>
-        <a:fillRef idx="1">
-          <a:scrgbClr r="0" g="0" b="0"/>
-        </a:fillRef>
-        <a:effectRef idx="0">
-          <a:scrgbClr r="0" g="0" b="0"/>
-        </a:effectRef>
-        <a:fontRef idx="minor">
-          <a:schemeClr val="lt1"/>
-        </a:fontRef>
-      </dsp:style>
-      <dsp:txBody>
-        <a:bodyPr spcFirstLastPara="0" vert="horz" wrap="square" lIns="83820" tIns="83820" rIns="83820" bIns="83820" numCol="1" spcCol="1270" anchor="ctr" anchorCtr="0">
-          <a:noAutofit/>
-        </a:bodyPr>
-        <a:lstStyle/>
-        <a:p>
-          <a:pPr lvl="0" algn="l" defTabSz="977900" rtl="0">
-            <a:lnSpc>
-              <a:spcPct val="90000"/>
-            </a:lnSpc>
-            <a:spcBef>
-              <a:spcPct val="0"/>
-            </a:spcBef>
-            <a:spcAft>
-              <a:spcPct val="35000"/>
-            </a:spcAft>
-          </a:pPr>
-          <a:r>
-            <a:rPr lang="en-US" sz="2200" kern="1200" dirty="0" smtClean="0"/>
-            <a:t>Allows creating composite web pages – Web Components</a:t>
-          </a:r>
-          <a:endParaRPr lang="en-US" sz="2200" kern="1200" dirty="0"/>
-        </a:p>
-      </dsp:txBody>
-      <dsp:txXfrm>
-        <a:off x="25759" y="1777860"/>
-        <a:ext cx="11403196" cy="476152"/>
-      </dsp:txXfrm>
-    </dsp:sp>
-    <dsp:sp modelId="{C3077C1D-E40C-4F23-B9F4-F5F7DCF33D34}">
-      <dsp:nvSpPr>
-        <dsp:cNvPr id="0" name=""/>
-        <dsp:cNvSpPr/>
-      </dsp:nvSpPr>
-      <dsp:spPr>
-        <a:xfrm>
-          <a:off x="0" y="2343131"/>
-          <a:ext cx="11454714" cy="527670"/>
-        </a:xfrm>
-        <a:prstGeom prst="roundRect">
-          <a:avLst/>
-        </a:prstGeom>
-        <a:solidFill>
-          <a:schemeClr val="accent1">
-            <a:hueOff val="0"/>
-            <a:satOff val="0"/>
-            <a:lumOff val="0"/>
-            <a:alphaOff val="0"/>
-          </a:schemeClr>
-        </a:solidFill>
-        <a:ln w="12700" cap="flat" cmpd="sng" algn="ctr">
-          <a:solidFill>
-            <a:schemeClr val="lt1">
-              <a:hueOff val="0"/>
-              <a:satOff val="0"/>
-              <a:lumOff val="0"/>
-              <a:alphaOff val="0"/>
-            </a:schemeClr>
-          </a:solidFill>
-          <a:prstDash val="solid"/>
-          <a:miter lim="800000"/>
-        </a:ln>
-        <a:effectLst/>
-      </dsp:spPr>
-      <dsp:style>
-        <a:lnRef idx="2">
-          <a:scrgbClr r="0" g="0" b="0"/>
-        </a:lnRef>
-        <a:fillRef idx="1">
-          <a:scrgbClr r="0" g="0" b="0"/>
-        </a:fillRef>
-        <a:effectRef idx="0">
-          <a:scrgbClr r="0" g="0" b="0"/>
-        </a:effectRef>
-        <a:fontRef idx="minor">
-          <a:schemeClr val="lt1"/>
-        </a:fontRef>
-      </dsp:style>
-      <dsp:txBody>
-        <a:bodyPr spcFirstLastPara="0" vert="horz" wrap="square" lIns="83820" tIns="83820" rIns="83820" bIns="83820" numCol="1" spcCol="1270" anchor="ctr" anchorCtr="0">
-          <a:noAutofit/>
-        </a:bodyPr>
-        <a:lstStyle/>
-        <a:p>
-          <a:pPr lvl="0" algn="l" defTabSz="977900" rtl="0">
-            <a:lnSpc>
-              <a:spcPct val="90000"/>
-            </a:lnSpc>
-            <a:spcBef>
-              <a:spcPct val="0"/>
-            </a:spcBef>
-            <a:spcAft>
-              <a:spcPct val="35000"/>
-            </a:spcAft>
-          </a:pPr>
-          <a:r>
-            <a:rPr lang="en-US" sz="2200" kern="1200" dirty="0" smtClean="0"/>
-            <a:t>We can create both Web as well as Mobile apps </a:t>
-          </a:r>
-          <a:endParaRPr lang="en-US" sz="2200" kern="1200" dirty="0"/>
-        </a:p>
-      </dsp:txBody>
-      <dsp:txXfrm>
-        <a:off x="25759" y="2368890"/>
-        <a:ext cx="11403196" cy="476152"/>
-      </dsp:txXfrm>
-    </dsp:sp>
-    <dsp:sp modelId="{CD816F83-39DD-4D50-84CD-98BC7E7C121D}">
-      <dsp:nvSpPr>
-        <dsp:cNvPr id="0" name=""/>
-        <dsp:cNvSpPr/>
-      </dsp:nvSpPr>
-      <dsp:spPr>
-        <a:xfrm>
-          <a:off x="0" y="2934161"/>
-          <a:ext cx="11454714" cy="527670"/>
-        </a:xfrm>
-        <a:prstGeom prst="roundRect">
-          <a:avLst/>
-        </a:prstGeom>
-        <a:solidFill>
-          <a:schemeClr val="accent1">
-            <a:hueOff val="0"/>
-            <a:satOff val="0"/>
-            <a:lumOff val="0"/>
-            <a:alphaOff val="0"/>
-          </a:schemeClr>
-        </a:solidFill>
-        <a:ln w="12700" cap="flat" cmpd="sng" algn="ctr">
-          <a:solidFill>
-            <a:schemeClr val="lt1">
-              <a:hueOff val="0"/>
-              <a:satOff val="0"/>
-              <a:lumOff val="0"/>
-              <a:alphaOff val="0"/>
-            </a:schemeClr>
-          </a:solidFill>
-          <a:prstDash val="solid"/>
-          <a:miter lim="800000"/>
-        </a:ln>
-        <a:effectLst/>
-      </dsp:spPr>
-      <dsp:style>
-        <a:lnRef idx="2">
-          <a:scrgbClr r="0" g="0" b="0"/>
-        </a:lnRef>
-        <a:fillRef idx="1">
-          <a:scrgbClr r="0" g="0" b="0"/>
-        </a:fillRef>
-        <a:effectRef idx="0">
-          <a:scrgbClr r="0" g="0" b="0"/>
-        </a:effectRef>
-        <a:fontRef idx="minor">
-          <a:schemeClr val="lt1"/>
-        </a:fontRef>
-      </dsp:style>
-      <dsp:txBody>
-        <a:bodyPr spcFirstLastPara="0" vert="horz" wrap="square" lIns="83820" tIns="83820" rIns="83820" bIns="83820" numCol="1" spcCol="1270" anchor="ctr" anchorCtr="0">
-          <a:noAutofit/>
-        </a:bodyPr>
-        <a:lstStyle/>
-        <a:p>
-          <a:pPr lvl="0" algn="l" defTabSz="977900" rtl="0">
-            <a:lnSpc>
-              <a:spcPct val="90000"/>
-            </a:lnSpc>
-            <a:spcBef>
-              <a:spcPct val="0"/>
-            </a:spcBef>
-            <a:spcAft>
-              <a:spcPct val="35000"/>
-            </a:spcAft>
-          </a:pPr>
-          <a:r>
-            <a:rPr lang="en-US" sz="2200" kern="1200" dirty="0" smtClean="0"/>
-            <a:t>Open source, mainly maintained by Facebook – Large community contributing to React Component </a:t>
-          </a:r>
-          <a:endParaRPr lang="en-US" sz="2200" kern="1200" dirty="0"/>
-        </a:p>
-      </dsp:txBody>
-      <dsp:txXfrm>
-        <a:off x="25759" y="2959920"/>
-        <a:ext cx="11403196" cy="476152"/>
-      </dsp:txXfrm>
-    </dsp:sp>
   </dsp:spTree>
 </dsp:drawing>
 </file>
@@ -8569,84 +7033,6 @@
       <dsp:cNvGrpSpPr/>
     </dsp:nvGrpSpPr>
     <dsp:grpSpPr/>
-    <dsp:sp modelId="{49D8894D-0D36-4692-B021-117D1E73DE50}">
-      <dsp:nvSpPr>
-        <dsp:cNvPr id="0" name=""/>
-        <dsp:cNvSpPr/>
-      </dsp:nvSpPr>
-      <dsp:spPr>
-        <a:xfrm>
-          <a:off x="0" y="14923"/>
-          <a:ext cx="5172074" cy="2068830"/>
-        </a:xfrm>
-        <a:prstGeom prst="chevron">
-          <a:avLst/>
-        </a:prstGeom>
-        <a:solidFill>
-          <a:schemeClr val="accent1">
-            <a:hueOff val="0"/>
-            <a:satOff val="0"/>
-            <a:lumOff val="0"/>
-            <a:alphaOff val="0"/>
-          </a:schemeClr>
-        </a:solidFill>
-        <a:ln w="12700" cap="flat" cmpd="sng" algn="ctr">
-          <a:solidFill>
-            <a:schemeClr val="lt1">
-              <a:hueOff val="0"/>
-              <a:satOff val="0"/>
-              <a:lumOff val="0"/>
-              <a:alphaOff val="0"/>
-            </a:schemeClr>
-          </a:solidFill>
-          <a:prstDash val="solid"/>
-          <a:miter lim="800000"/>
-        </a:ln>
-        <a:effectLst/>
-      </dsp:spPr>
-      <dsp:style>
-        <a:lnRef idx="2">
-          <a:scrgbClr r="0" g="0" b="0"/>
-        </a:lnRef>
-        <a:fillRef idx="1">
-          <a:scrgbClr r="0" g="0" b="0"/>
-        </a:fillRef>
-        <a:effectRef idx="0">
-          <a:scrgbClr r="0" g="0" b="0"/>
-        </a:effectRef>
-        <a:fontRef idx="minor">
-          <a:schemeClr val="lt1"/>
-        </a:fontRef>
-      </dsp:style>
-      <dsp:txBody>
-        <a:bodyPr spcFirstLastPara="0" vert="horz" wrap="square" lIns="82550" tIns="41275" rIns="0" bIns="41275" numCol="1" spcCol="1270" anchor="ctr" anchorCtr="0">
-          <a:noAutofit/>
-        </a:bodyPr>
-        <a:lstStyle/>
-        <a:p>
-          <a:pPr lvl="0" algn="ctr" defTabSz="2889250" rtl="0">
-            <a:lnSpc>
-              <a:spcPct val="90000"/>
-            </a:lnSpc>
-            <a:spcBef>
-              <a:spcPct val="0"/>
-            </a:spcBef>
-            <a:spcAft>
-              <a:spcPct val="35000"/>
-            </a:spcAft>
-          </a:pPr>
-          <a:r>
-            <a:rPr lang="en-US" sz="6500" kern="1200" dirty="0" smtClean="0"/>
-            <a:t>DEMO</a:t>
-          </a:r>
-          <a:endParaRPr lang="en-US" sz="6500" kern="1200" dirty="0"/>
-        </a:p>
-      </dsp:txBody>
-      <dsp:txXfrm>
-        <a:off x="1034415" y="14923"/>
-        <a:ext cx="3103244" cy="2068830"/>
-      </dsp:txXfrm>
-    </dsp:sp>
   </dsp:spTree>
 </dsp:drawing>
 </file>
@@ -9001,7 +7387,6 @@
             <a:rPr lang="en-US" sz="2100" kern="1200" dirty="0" smtClean="0"/>
             <a:t>Run using command : Try URL mentioned on your screen e.g. - http://localhost:3000/ </a:t>
           </a:r>
-          <a:endParaRPr lang="en-US" sz="2100" kern="1200" dirty="0" smtClean="0"/>
         </a:p>
         <a:p>
           <a:pPr lvl="0" algn="l" defTabSz="933450" rtl="0">
@@ -9016,12 +7401,8 @@
             </a:spcAft>
           </a:pPr>
           <a:r>
-            <a:rPr lang="en-US" sz="2100" kern="1200" dirty="0" err="1" smtClean="0"/>
-            <a:t>npm</a:t>
-          </a:r>
-          <a:r>
             <a:rPr lang="en-US" sz="2100" kern="1200" dirty="0" smtClean="0"/>
-            <a:t> start</a:t>
+            <a:t>npm start</a:t>
           </a:r>
           <a:endParaRPr lang="en-US" sz="2100" kern="1200" dirty="0"/>
         </a:p>
@@ -17933,7 +16314,7 @@
           <a:p>
             <a:fld id="{23E88434-08F3-4832-9606-2C40898E3478}" type="datetimeFigureOut">
               <a:rPr lang="en-US" smtClean="0"/>
-              <a:t>9/22/2019</a:t>
+              <a:t>10/6/2019</a:t>
             </a:fld>
             <a:endParaRPr lang="en-US"/>
           </a:p>
@@ -18836,7 +17217,7 @@
           <a:p>
             <a:fld id="{6D690AEF-DB67-49BD-9E54-F40E8C7582BA}" type="datetime1">
               <a:rPr lang="en-US" smtClean="0"/>
-              <a:t>9/22/2019</a:t>
+              <a:t>10/6/2019</a:t>
             </a:fld>
             <a:endParaRPr lang="en-US"/>
           </a:p>
@@ -19010,7 +17391,7 @@
           <a:p>
             <a:fld id="{A78BE1D8-405D-4B84-A8C8-DBC5BE51F15B}" type="datetime1">
               <a:rPr lang="en-US" smtClean="0"/>
-              <a:t>9/22/2019</a:t>
+              <a:t>10/6/2019</a:t>
             </a:fld>
             <a:endParaRPr lang="en-US"/>
           </a:p>
@@ -19194,7 +17575,7 @@
           <a:p>
             <a:fld id="{3FE1536C-DEC2-44D0-B9D9-3AB4339E093C}" type="datetime1">
               <a:rPr lang="en-US" smtClean="0"/>
-              <a:t>9/22/2019</a:t>
+              <a:t>10/6/2019</a:t>
             </a:fld>
             <a:endParaRPr lang="en-US"/>
           </a:p>
@@ -19368,7 +17749,7 @@
           <a:p>
             <a:fld id="{D91D272B-1C4B-4FA4-AF5A-C12904DD83C9}" type="datetime1">
               <a:rPr lang="en-US" smtClean="0"/>
-              <a:t>9/22/2019</a:t>
+              <a:t>10/6/2019</a:t>
             </a:fld>
             <a:endParaRPr lang="en-US"/>
           </a:p>
@@ -19618,7 +17999,7 @@
           <a:p>
             <a:fld id="{A8008784-DE3C-42A1-BCEA-605E3D211D77}" type="datetime1">
               <a:rPr lang="en-US" smtClean="0"/>
-              <a:t>9/22/2019</a:t>
+              <a:t>10/6/2019</a:t>
             </a:fld>
             <a:endParaRPr lang="en-US"/>
           </a:p>
@@ -19854,7 +18235,7 @@
           <a:p>
             <a:fld id="{137DD620-5B3C-4E43-922F-D84B839E2CA3}" type="datetime1">
               <a:rPr lang="en-US" smtClean="0"/>
-              <a:t>9/22/2019</a:t>
+              <a:t>10/6/2019</a:t>
             </a:fld>
             <a:endParaRPr lang="en-US"/>
           </a:p>
@@ -20225,7 +18606,7 @@
           <a:p>
             <a:fld id="{53765656-739C-40EC-B65A-49E394B724D2}" type="datetime1">
               <a:rPr lang="en-US" smtClean="0"/>
-              <a:t>9/22/2019</a:t>
+              <a:t>10/6/2019</a:t>
             </a:fld>
             <a:endParaRPr lang="en-US"/>
           </a:p>
@@ -20347,7 +18728,7 @@
           <a:p>
             <a:fld id="{DBFEFA4E-AEA9-4A2F-B71D-15B6264E6A09}" type="datetime1">
               <a:rPr lang="en-US" smtClean="0"/>
-              <a:t>9/22/2019</a:t>
+              <a:t>10/6/2019</a:t>
             </a:fld>
             <a:endParaRPr lang="en-US"/>
           </a:p>
@@ -20446,7 +18827,7 @@
           <a:p>
             <a:fld id="{1A0AC173-44A8-423D-8D20-2F8F36CC1054}" type="datetime1">
               <a:rPr lang="en-US" smtClean="0"/>
-              <a:t>9/22/2019</a:t>
+              <a:t>10/6/2019</a:t>
             </a:fld>
             <a:endParaRPr lang="en-US"/>
           </a:p>
@@ -20734,7 +19115,7 @@
           <a:p>
             <a:fld id="{52F0B284-A710-4726-8BA0-160B20228744}" type="datetime1">
               <a:rPr lang="en-US" smtClean="0"/>
-              <a:t>9/22/2019</a:t>
+              <a:t>10/6/2019</a:t>
             </a:fld>
             <a:endParaRPr lang="en-US"/>
           </a:p>
@@ -20991,7 +19372,7 @@
           <a:p>
             <a:fld id="{32DEC8DF-2C3F-46B7-B1F3-83533583D3C6}" type="datetime1">
               <a:rPr lang="en-US" smtClean="0"/>
-              <a:t>9/22/2019</a:t>
+              <a:t>10/6/2019</a:t>
             </a:fld>
             <a:endParaRPr lang="en-US"/>
           </a:p>
@@ -21208,7 +19589,7 @@
           <a:p>
             <a:fld id="{B024E63D-6728-4FD5-B56A-39A568F3BFF8}" type="datetime1">
               <a:rPr lang="en-US" smtClean="0"/>
-              <a:t>9/22/2019</a:t>
+              <a:t>10/6/2019</a:t>
             </a:fld>
             <a:endParaRPr lang="en-US"/>
           </a:p>
@@ -30162,13 +28543,13 @@
           <p:nvPr>
             <p:extLst>
               <p:ext uri="{D42A27DB-BD31-4B8C-83A1-F6EECF244321}">
-                <p14:modId xmlns:p14="http://schemas.microsoft.com/office/powerpoint/2010/main" val="1851050487"/>
+                <p14:modId xmlns:p14="http://schemas.microsoft.com/office/powerpoint/2010/main" val="1882898319"/>
               </p:ext>
             </p:extLst>
           </p:nvPr>
         </p:nvGraphicFramePr>
         <p:xfrm>
-          <a:off x="458487" y="1301403"/>
+          <a:off x="438167" y="1717963"/>
           <a:ext cx="11454714" cy="4031873"/>
         </p:xfrm>
         <a:graphic>

--- a/docs/Day 2 - React Introduction.pptx
+++ b/docs/Day 2 - React Introduction.pptx
@@ -6638,8 +6638,8 @@
   </dgm:ptLst>
   <dgm:cxnLst>
     <dgm:cxn modelId="{B1A7F716-AC3A-4D91-9660-99AB71395A3F}" srcId="{56941AC6-EA2C-431D-94F6-9353FA1450CA}" destId="{6FDEEA62-FE71-4E77-82AA-2698082C4932}" srcOrd="0" destOrd="0" parTransId="{721A4CF8-4A18-4DDD-8B80-07A8E685605A}" sibTransId="{0289EBA4-424F-4E89-A0AF-FDAFA76755A6}"/>
+    <dgm:cxn modelId="{3E4B64FB-4CCD-41BB-A004-AA3C3247103D}" type="presOf" srcId="{6FDEEA62-FE71-4E77-82AA-2698082C4932}" destId="{49D8894D-0D36-4692-B021-117D1E73DE50}" srcOrd="0" destOrd="0" presId="urn:microsoft.com/office/officeart/2005/8/layout/lProcess3"/>
     <dgm:cxn modelId="{03FB12DF-E695-42EE-868A-2FD250250339}" type="presOf" srcId="{56941AC6-EA2C-431D-94F6-9353FA1450CA}" destId="{44B310B3-17C9-47DA-9BD2-71FD118882DE}" srcOrd="0" destOrd="0" presId="urn:microsoft.com/office/officeart/2005/8/layout/lProcess3"/>
-    <dgm:cxn modelId="{3E4B64FB-4CCD-41BB-A004-AA3C3247103D}" type="presOf" srcId="{6FDEEA62-FE71-4E77-82AA-2698082C4932}" destId="{49D8894D-0D36-4692-B021-117D1E73DE50}" srcOrd="0" destOrd="0" presId="urn:microsoft.com/office/officeart/2005/8/layout/lProcess3"/>
     <dgm:cxn modelId="{C05F7EB9-E5C9-4997-9DF0-AEBB5F11D43D}" type="presParOf" srcId="{44B310B3-17C9-47DA-9BD2-71FD118882DE}" destId="{CCA927FF-53C7-4AE1-8A4E-0EB2036FED28}" srcOrd="0" destOrd="0" presId="urn:microsoft.com/office/officeart/2005/8/layout/lProcess3"/>
     <dgm:cxn modelId="{D3041A12-58B5-4CDF-AA1D-2C47BBDAC419}" type="presParOf" srcId="{CCA927FF-53C7-4AE1-8A4E-0EB2036FED28}" destId="{49D8894D-0D36-4692-B021-117D1E73DE50}" srcOrd="0" destOrd="0" presId="urn:microsoft.com/office/officeart/2005/8/layout/lProcess3"/>
   </dgm:cxnLst>
@@ -6973,6 +6973,334 @@
       <dsp:cNvGrpSpPr/>
     </dsp:nvGrpSpPr>
     <dsp:grpSpPr/>
+    <dsp:sp modelId="{7C28A8C2-4274-43FF-B9CC-A39D52C7BA6F}">
+      <dsp:nvSpPr>
+        <dsp:cNvPr id="0" name=""/>
+        <dsp:cNvSpPr/>
+      </dsp:nvSpPr>
+      <dsp:spPr>
+        <a:xfrm>
+          <a:off x="0" y="5449"/>
+          <a:ext cx="11454714" cy="953403"/>
+        </a:xfrm>
+        <a:prstGeom prst="roundRect">
+          <a:avLst/>
+        </a:prstGeom>
+        <a:solidFill>
+          <a:schemeClr val="accent1">
+            <a:hueOff val="0"/>
+            <a:satOff val="0"/>
+            <a:lumOff val="0"/>
+            <a:alphaOff val="0"/>
+          </a:schemeClr>
+        </a:solidFill>
+        <a:ln w="12700" cap="flat" cmpd="sng" algn="ctr">
+          <a:solidFill>
+            <a:schemeClr val="lt1">
+              <a:hueOff val="0"/>
+              <a:satOff val="0"/>
+              <a:lumOff val="0"/>
+              <a:alphaOff val="0"/>
+            </a:schemeClr>
+          </a:solidFill>
+          <a:prstDash val="solid"/>
+          <a:miter lim="800000"/>
+        </a:ln>
+        <a:effectLst/>
+      </dsp:spPr>
+      <dsp:style>
+        <a:lnRef idx="2">
+          <a:scrgbClr r="0" g="0" b="0"/>
+        </a:lnRef>
+        <a:fillRef idx="1">
+          <a:scrgbClr r="0" g="0" b="0"/>
+        </a:fillRef>
+        <a:effectRef idx="0">
+          <a:scrgbClr r="0" g="0" b="0"/>
+        </a:effectRef>
+        <a:fontRef idx="minor">
+          <a:schemeClr val="lt1"/>
+        </a:fontRef>
+      </dsp:style>
+      <dsp:txBody>
+        <a:bodyPr spcFirstLastPara="0" vert="horz" wrap="square" lIns="91440" tIns="91440" rIns="91440" bIns="91440" numCol="1" spcCol="1270" anchor="ctr" anchorCtr="0">
+          <a:noAutofit/>
+        </a:bodyPr>
+        <a:lstStyle/>
+        <a:p>
+          <a:pPr lvl="0" algn="l" defTabSz="1066800" rtl="0">
+            <a:lnSpc>
+              <a:spcPct val="90000"/>
+            </a:lnSpc>
+            <a:spcBef>
+              <a:spcPct val="0"/>
+            </a:spcBef>
+            <a:spcAft>
+              <a:spcPct val="35000"/>
+            </a:spcAft>
+          </a:pPr>
+          <a:r>
+            <a:rPr lang="en-HK" sz="2400" kern="1200" dirty="0" smtClean="0"/>
+            <a:t>The </a:t>
+          </a:r>
+          <a:r>
+            <a:rPr lang="en-HK" sz="2400" b="1" kern="1200" dirty="0" smtClean="0"/>
+            <a:t>DOM</a:t>
+          </a:r>
+          <a:r>
+            <a:rPr lang="en-HK" sz="2400" kern="1200" dirty="0" smtClean="0"/>
+            <a:t> is an object-based representation of the source </a:t>
+          </a:r>
+          <a:r>
+            <a:rPr lang="en-HK" sz="2400" b="1" kern="1200" dirty="0" smtClean="0"/>
+            <a:t>HTML </a:t>
+          </a:r>
+          <a:r>
+            <a:rPr lang="en-HK" sz="2400" kern="1200" dirty="0" smtClean="0"/>
+            <a:t>document.</a:t>
+          </a:r>
+          <a:endParaRPr lang="en-US" sz="2400" kern="1200" dirty="0"/>
+        </a:p>
+      </dsp:txBody>
+      <dsp:txXfrm>
+        <a:off x="46541" y="51990"/>
+        <a:ext cx="11361632" cy="860321"/>
+      </dsp:txXfrm>
+    </dsp:sp>
+    <dsp:sp modelId="{66349103-2F22-4071-B3DB-A728A4AB40C9}">
+      <dsp:nvSpPr>
+        <dsp:cNvPr id="0" name=""/>
+        <dsp:cNvSpPr/>
+      </dsp:nvSpPr>
+      <dsp:spPr>
+        <a:xfrm>
+          <a:off x="0" y="1027972"/>
+          <a:ext cx="11454714" cy="953403"/>
+        </a:xfrm>
+        <a:prstGeom prst="roundRect">
+          <a:avLst/>
+        </a:prstGeom>
+        <a:solidFill>
+          <a:schemeClr val="accent1">
+            <a:hueOff val="0"/>
+            <a:satOff val="0"/>
+            <a:lumOff val="0"/>
+            <a:alphaOff val="0"/>
+          </a:schemeClr>
+        </a:solidFill>
+        <a:ln w="12700" cap="flat" cmpd="sng" algn="ctr">
+          <a:solidFill>
+            <a:schemeClr val="lt1">
+              <a:hueOff val="0"/>
+              <a:satOff val="0"/>
+              <a:lumOff val="0"/>
+              <a:alphaOff val="0"/>
+            </a:schemeClr>
+          </a:solidFill>
+          <a:prstDash val="solid"/>
+          <a:miter lim="800000"/>
+        </a:ln>
+        <a:effectLst/>
+      </dsp:spPr>
+      <dsp:style>
+        <a:lnRef idx="2">
+          <a:scrgbClr r="0" g="0" b="0"/>
+        </a:lnRef>
+        <a:fillRef idx="1">
+          <a:scrgbClr r="0" g="0" b="0"/>
+        </a:fillRef>
+        <a:effectRef idx="0">
+          <a:scrgbClr r="0" g="0" b="0"/>
+        </a:effectRef>
+        <a:fontRef idx="minor">
+          <a:schemeClr val="lt1"/>
+        </a:fontRef>
+      </dsp:style>
+      <dsp:txBody>
+        <a:bodyPr spcFirstLastPara="0" vert="horz" wrap="square" lIns="91440" tIns="91440" rIns="91440" bIns="91440" numCol="1" spcCol="1270" anchor="ctr" anchorCtr="0">
+          <a:noAutofit/>
+        </a:bodyPr>
+        <a:lstStyle/>
+        <a:p>
+          <a:pPr lvl="0" algn="l" defTabSz="1066800" rtl="0">
+            <a:lnSpc>
+              <a:spcPct val="90000"/>
+            </a:lnSpc>
+            <a:spcBef>
+              <a:spcPct val="0"/>
+            </a:spcBef>
+            <a:spcAft>
+              <a:spcPct val="35000"/>
+            </a:spcAft>
+          </a:pPr>
+          <a:r>
+            <a:rPr lang="en-US" sz="2400" kern="1200" dirty="0" smtClean="0"/>
+            <a:t>To see HTML, go to chrome open a website and then press F12 and then Click on Elements </a:t>
+          </a:r>
+          <a:endParaRPr lang="en-US" sz="2400" kern="1200" dirty="0"/>
+        </a:p>
+      </dsp:txBody>
+      <dsp:txXfrm>
+        <a:off x="46541" y="1074513"/>
+        <a:ext cx="11361632" cy="860321"/>
+      </dsp:txXfrm>
+    </dsp:sp>
+    <dsp:sp modelId="{45BA92F0-EA2D-4945-B781-A853A3FB9EE9}">
+      <dsp:nvSpPr>
+        <dsp:cNvPr id="0" name=""/>
+        <dsp:cNvSpPr/>
+      </dsp:nvSpPr>
+      <dsp:spPr>
+        <a:xfrm>
+          <a:off x="0" y="2050496"/>
+          <a:ext cx="11454714" cy="953403"/>
+        </a:xfrm>
+        <a:prstGeom prst="roundRect">
+          <a:avLst/>
+        </a:prstGeom>
+        <a:solidFill>
+          <a:schemeClr val="accent1">
+            <a:hueOff val="0"/>
+            <a:satOff val="0"/>
+            <a:lumOff val="0"/>
+            <a:alphaOff val="0"/>
+          </a:schemeClr>
+        </a:solidFill>
+        <a:ln w="12700" cap="flat" cmpd="sng" algn="ctr">
+          <a:solidFill>
+            <a:schemeClr val="lt1">
+              <a:hueOff val="0"/>
+              <a:satOff val="0"/>
+              <a:lumOff val="0"/>
+              <a:alphaOff val="0"/>
+            </a:schemeClr>
+          </a:solidFill>
+          <a:prstDash val="solid"/>
+          <a:miter lim="800000"/>
+        </a:ln>
+        <a:effectLst/>
+      </dsp:spPr>
+      <dsp:style>
+        <a:lnRef idx="2">
+          <a:scrgbClr r="0" g="0" b="0"/>
+        </a:lnRef>
+        <a:fillRef idx="1">
+          <a:scrgbClr r="0" g="0" b="0"/>
+        </a:fillRef>
+        <a:effectRef idx="0">
+          <a:scrgbClr r="0" g="0" b="0"/>
+        </a:effectRef>
+        <a:fontRef idx="minor">
+          <a:schemeClr val="lt1"/>
+        </a:fontRef>
+      </dsp:style>
+      <dsp:txBody>
+        <a:bodyPr spcFirstLastPara="0" vert="horz" wrap="square" lIns="91440" tIns="91440" rIns="91440" bIns="91440" numCol="1" spcCol="1270" anchor="ctr" anchorCtr="0">
+          <a:noAutofit/>
+        </a:bodyPr>
+        <a:lstStyle/>
+        <a:p>
+          <a:pPr lvl="0" algn="l" defTabSz="1066800" rtl="0">
+            <a:lnSpc>
+              <a:spcPct val="90000"/>
+            </a:lnSpc>
+            <a:spcBef>
+              <a:spcPct val="0"/>
+            </a:spcBef>
+            <a:spcAft>
+              <a:spcPct val="35000"/>
+            </a:spcAft>
+          </a:pPr>
+          <a:r>
+            <a:rPr lang="en-US" sz="2400" kern="1200" smtClean="0"/>
+            <a:t>Virtual DOM is an object that is a representation of the browser DOM.</a:t>
+          </a:r>
+          <a:endParaRPr lang="en-US" sz="2400" kern="1200"/>
+        </a:p>
+      </dsp:txBody>
+      <dsp:txXfrm>
+        <a:off x="46541" y="2097037"/>
+        <a:ext cx="11361632" cy="860321"/>
+      </dsp:txXfrm>
+    </dsp:sp>
+    <dsp:sp modelId="{CD816F83-39DD-4D50-84CD-98BC7E7C121D}">
+      <dsp:nvSpPr>
+        <dsp:cNvPr id="0" name=""/>
+        <dsp:cNvSpPr/>
+      </dsp:nvSpPr>
+      <dsp:spPr>
+        <a:xfrm>
+          <a:off x="0" y="3073020"/>
+          <a:ext cx="11454714" cy="953403"/>
+        </a:xfrm>
+        <a:prstGeom prst="roundRect">
+          <a:avLst/>
+        </a:prstGeom>
+        <a:solidFill>
+          <a:schemeClr val="accent1">
+            <a:hueOff val="0"/>
+            <a:satOff val="0"/>
+            <a:lumOff val="0"/>
+            <a:alphaOff val="0"/>
+          </a:schemeClr>
+        </a:solidFill>
+        <a:ln w="12700" cap="flat" cmpd="sng" algn="ctr">
+          <a:solidFill>
+            <a:schemeClr val="lt1">
+              <a:hueOff val="0"/>
+              <a:satOff val="0"/>
+              <a:lumOff val="0"/>
+              <a:alphaOff val="0"/>
+            </a:schemeClr>
+          </a:solidFill>
+          <a:prstDash val="solid"/>
+          <a:miter lim="800000"/>
+        </a:ln>
+        <a:effectLst/>
+      </dsp:spPr>
+      <dsp:style>
+        <a:lnRef idx="2">
+          <a:scrgbClr r="0" g="0" b="0"/>
+        </a:lnRef>
+        <a:fillRef idx="1">
+          <a:scrgbClr r="0" g="0" b="0"/>
+        </a:fillRef>
+        <a:effectRef idx="0">
+          <a:scrgbClr r="0" g="0" b="0"/>
+        </a:effectRef>
+        <a:fontRef idx="minor">
+          <a:schemeClr val="lt1"/>
+        </a:fontRef>
+      </dsp:style>
+      <dsp:txBody>
+        <a:bodyPr spcFirstLastPara="0" vert="horz" wrap="square" lIns="91440" tIns="91440" rIns="91440" bIns="91440" numCol="1" spcCol="1270" anchor="ctr" anchorCtr="0">
+          <a:noAutofit/>
+        </a:bodyPr>
+        <a:lstStyle/>
+        <a:p>
+          <a:pPr lvl="0" algn="l" defTabSz="1066800" rtl="0">
+            <a:lnSpc>
+              <a:spcPct val="90000"/>
+            </a:lnSpc>
+            <a:spcBef>
+              <a:spcPct val="0"/>
+            </a:spcBef>
+            <a:spcAft>
+              <a:spcPct val="35000"/>
+            </a:spcAft>
+          </a:pPr>
+          <a:r>
+            <a:rPr lang="en-US" sz="2400" kern="1200" smtClean="0"/>
+            <a:t>React is fast as it uses virtual DOM instead of directly using DOM. So each part of the React can be updated independently.</a:t>
+          </a:r>
+          <a:endParaRPr lang="en-US" sz="2400" kern="1200"/>
+        </a:p>
+      </dsp:txBody>
+      <dsp:txXfrm>
+        <a:off x="46541" y="3119561"/>
+        <a:ext cx="11361632" cy="860321"/>
+      </dsp:txXfrm>
+    </dsp:sp>
   </dsp:spTree>
 </dsp:drawing>
 </file>
@@ -6985,6 +7313,84 @@
       <dsp:cNvGrpSpPr/>
     </dsp:nvGrpSpPr>
     <dsp:grpSpPr/>
+    <dsp:sp modelId="{49D8894D-0D36-4692-B021-117D1E73DE50}">
+      <dsp:nvSpPr>
+        <dsp:cNvPr id="0" name=""/>
+        <dsp:cNvSpPr/>
+      </dsp:nvSpPr>
+      <dsp:spPr>
+        <a:xfrm>
+          <a:off x="1229883" y="463"/>
+          <a:ext cx="2712308" cy="1084923"/>
+        </a:xfrm>
+        <a:prstGeom prst="chevron">
+          <a:avLst/>
+        </a:prstGeom>
+        <a:solidFill>
+          <a:schemeClr val="accent1">
+            <a:hueOff val="0"/>
+            <a:satOff val="0"/>
+            <a:lumOff val="0"/>
+            <a:alphaOff val="0"/>
+          </a:schemeClr>
+        </a:solidFill>
+        <a:ln w="12700" cap="flat" cmpd="sng" algn="ctr">
+          <a:solidFill>
+            <a:schemeClr val="lt1">
+              <a:hueOff val="0"/>
+              <a:satOff val="0"/>
+              <a:lumOff val="0"/>
+              <a:alphaOff val="0"/>
+            </a:schemeClr>
+          </a:solidFill>
+          <a:prstDash val="solid"/>
+          <a:miter lim="800000"/>
+        </a:ln>
+        <a:effectLst/>
+      </dsp:spPr>
+      <dsp:style>
+        <a:lnRef idx="2">
+          <a:scrgbClr r="0" g="0" b="0"/>
+        </a:lnRef>
+        <a:fillRef idx="1">
+          <a:scrgbClr r="0" g="0" b="0"/>
+        </a:fillRef>
+        <a:effectRef idx="0">
+          <a:scrgbClr r="0" g="0" b="0"/>
+        </a:effectRef>
+        <a:fontRef idx="minor">
+          <a:schemeClr val="lt1"/>
+        </a:fontRef>
+      </dsp:style>
+      <dsp:txBody>
+        <a:bodyPr spcFirstLastPara="0" vert="horz" wrap="square" lIns="46990" tIns="23495" rIns="0" bIns="23495" numCol="1" spcCol="1270" anchor="ctr" anchorCtr="0">
+          <a:noAutofit/>
+        </a:bodyPr>
+        <a:lstStyle/>
+        <a:p>
+          <a:pPr lvl="0" algn="ctr" defTabSz="1644650" rtl="0">
+            <a:lnSpc>
+              <a:spcPct val="90000"/>
+            </a:lnSpc>
+            <a:spcBef>
+              <a:spcPct val="0"/>
+            </a:spcBef>
+            <a:spcAft>
+              <a:spcPct val="35000"/>
+            </a:spcAft>
+          </a:pPr>
+          <a:r>
+            <a:rPr lang="en-US" sz="3700" kern="1200" dirty="0" smtClean="0"/>
+            <a:t>Why React?</a:t>
+          </a:r>
+          <a:endParaRPr lang="en-US" sz="3700" kern="1200" dirty="0"/>
+        </a:p>
+      </dsp:txBody>
+      <dsp:txXfrm>
+        <a:off x="1772345" y="463"/>
+        <a:ext cx="1627385" cy="1084923"/>
+      </dsp:txXfrm>
+    </dsp:sp>
   </dsp:spTree>
 </dsp:drawing>
 </file>
@@ -6997,6 +7403,663 @@
       <dsp:cNvGrpSpPr/>
     </dsp:nvGrpSpPr>
     <dsp:grpSpPr/>
+    <dsp:sp modelId="{69C83FB2-39C4-4303-B58D-7E322130C2F9}">
+      <dsp:nvSpPr>
+        <dsp:cNvPr id="0" name=""/>
+        <dsp:cNvSpPr/>
+      </dsp:nvSpPr>
+      <dsp:spPr>
+        <a:xfrm>
+          <a:off x="3232954" y="1684"/>
+          <a:ext cx="4463248" cy="1366277"/>
+        </a:xfrm>
+        <a:prstGeom prst="roundRect">
+          <a:avLst/>
+        </a:prstGeom>
+        <a:gradFill rotWithShape="0">
+          <a:gsLst>
+            <a:gs pos="0">
+              <a:schemeClr val="accent1">
+                <a:hueOff val="0"/>
+                <a:satOff val="0"/>
+                <a:lumOff val="0"/>
+                <a:alphaOff val="0"/>
+                <a:lumMod val="110000"/>
+                <a:satMod val="105000"/>
+                <a:tint val="67000"/>
+              </a:schemeClr>
+            </a:gs>
+            <a:gs pos="50000">
+              <a:schemeClr val="accent1">
+                <a:hueOff val="0"/>
+                <a:satOff val="0"/>
+                <a:lumOff val="0"/>
+                <a:alphaOff val="0"/>
+                <a:lumMod val="105000"/>
+                <a:satMod val="103000"/>
+                <a:tint val="73000"/>
+              </a:schemeClr>
+            </a:gs>
+            <a:gs pos="100000">
+              <a:schemeClr val="accent1">
+                <a:hueOff val="0"/>
+                <a:satOff val="0"/>
+                <a:lumOff val="0"/>
+                <a:alphaOff val="0"/>
+                <a:lumMod val="105000"/>
+                <a:satMod val="109000"/>
+                <a:tint val="81000"/>
+              </a:schemeClr>
+            </a:gs>
+          </a:gsLst>
+          <a:lin ang="5400000" scaled="0"/>
+        </a:gradFill>
+        <a:ln>
+          <a:noFill/>
+        </a:ln>
+        <a:effectLst/>
+        <a:scene3d>
+          <a:camera prst="orthographicFront"/>
+          <a:lightRig rig="flat" dir="t"/>
+        </a:scene3d>
+        <a:sp3d prstMaterial="dkEdge">
+          <a:bevelT w="8200" h="38100"/>
+        </a:sp3d>
+      </dsp:spPr>
+      <dsp:style>
+        <a:lnRef idx="0">
+          <a:scrgbClr r="0" g="0" b="0"/>
+        </a:lnRef>
+        <a:fillRef idx="2">
+          <a:scrgbClr r="0" g="0" b="0"/>
+        </a:fillRef>
+        <a:effectRef idx="1">
+          <a:scrgbClr r="0" g="0" b="0"/>
+        </a:effectRef>
+        <a:fontRef idx="minor">
+          <a:schemeClr val="dk1"/>
+        </a:fontRef>
+      </dsp:style>
+      <dsp:txBody>
+        <a:bodyPr spcFirstLastPara="0" vert="horz" wrap="square" lIns="110490" tIns="110490" rIns="110490" bIns="110490" numCol="1" spcCol="1270" anchor="ctr" anchorCtr="0">
+          <a:noAutofit/>
+        </a:bodyPr>
+        <a:lstStyle/>
+        <a:p>
+          <a:pPr lvl="0" algn="ctr" defTabSz="1289050">
+            <a:lnSpc>
+              <a:spcPct val="90000"/>
+            </a:lnSpc>
+            <a:spcBef>
+              <a:spcPct val="0"/>
+            </a:spcBef>
+            <a:spcAft>
+              <a:spcPct val="35000"/>
+            </a:spcAft>
+          </a:pPr>
+          <a:r>
+            <a:rPr lang="en-US" sz="2900" kern="1200" dirty="0" smtClean="0"/>
+            <a:t>MODEL (React Component, Virtual DOM, REDUX)</a:t>
+          </a:r>
+          <a:endParaRPr lang="en-US" sz="2900" kern="1200" dirty="0"/>
+        </a:p>
+      </dsp:txBody>
+      <dsp:txXfrm>
+        <a:off x="3299650" y="68380"/>
+        <a:ext cx="4329856" cy="1232885"/>
+      </dsp:txXfrm>
+    </dsp:sp>
+    <dsp:sp modelId="{3833C0CE-2923-41A1-B7E5-DBE629650FAF}">
+      <dsp:nvSpPr>
+        <dsp:cNvPr id="0" name=""/>
+        <dsp:cNvSpPr/>
+      </dsp:nvSpPr>
+      <dsp:spPr>
+        <a:xfrm>
+          <a:off x="2804896" y="1088749"/>
+          <a:ext cx="4511512" cy="4511512"/>
+        </a:xfrm>
+        <a:custGeom>
+          <a:avLst/>
+          <a:gdLst/>
+          <a:ahLst/>
+          <a:cxnLst/>
+          <a:rect l="0" t="0" r="0" b="0"/>
+          <a:pathLst>
+            <a:path>
+              <a:moveTo>
+                <a:pt x="3556052" y="412480"/>
+              </a:moveTo>
+              <a:arcTo wR="2255756" hR="2255756" stAng="18312011" swAng="1175978"/>
+            </a:path>
+          </a:pathLst>
+        </a:custGeom>
+        <a:noFill/>
+        <a:ln w="6350" cap="flat" cmpd="sng" algn="ctr">
+          <a:solidFill>
+            <a:schemeClr val="accent1">
+              <a:hueOff val="0"/>
+              <a:satOff val="0"/>
+              <a:lumOff val="0"/>
+              <a:alphaOff val="0"/>
+            </a:schemeClr>
+          </a:solidFill>
+          <a:prstDash val="solid"/>
+          <a:miter lim="800000"/>
+          <a:tailEnd type="arrow"/>
+        </a:ln>
+        <a:effectLst/>
+      </dsp:spPr>
+      <dsp:style>
+        <a:lnRef idx="1">
+          <a:scrgbClr r="0" g="0" b="0"/>
+        </a:lnRef>
+        <a:fillRef idx="0">
+          <a:scrgbClr r="0" g="0" b="0"/>
+        </a:fillRef>
+        <a:effectRef idx="0">
+          <a:scrgbClr r="0" g="0" b="0"/>
+        </a:effectRef>
+        <a:fontRef idx="minor"/>
+      </dsp:style>
+    </dsp:sp>
+    <dsp:sp modelId="{1BDC8733-F591-4FDD-8C80-05E9CC08DA07}">
+      <dsp:nvSpPr>
+        <dsp:cNvPr id="0" name=""/>
+        <dsp:cNvSpPr/>
+      </dsp:nvSpPr>
+      <dsp:spPr>
+        <a:xfrm>
+          <a:off x="6198648" y="2257440"/>
+          <a:ext cx="3043371" cy="1366277"/>
+        </a:xfrm>
+        <a:prstGeom prst="roundRect">
+          <a:avLst/>
+        </a:prstGeom>
+        <a:gradFill rotWithShape="0">
+          <a:gsLst>
+            <a:gs pos="0">
+              <a:schemeClr val="accent1">
+                <a:hueOff val="0"/>
+                <a:satOff val="0"/>
+                <a:lumOff val="0"/>
+                <a:alphaOff val="0"/>
+                <a:lumMod val="110000"/>
+                <a:satMod val="105000"/>
+                <a:tint val="67000"/>
+              </a:schemeClr>
+            </a:gs>
+            <a:gs pos="50000">
+              <a:schemeClr val="accent1">
+                <a:hueOff val="0"/>
+                <a:satOff val="0"/>
+                <a:lumOff val="0"/>
+                <a:alphaOff val="0"/>
+                <a:lumMod val="105000"/>
+                <a:satMod val="103000"/>
+                <a:tint val="73000"/>
+              </a:schemeClr>
+            </a:gs>
+            <a:gs pos="100000">
+              <a:schemeClr val="accent1">
+                <a:hueOff val="0"/>
+                <a:satOff val="0"/>
+                <a:lumOff val="0"/>
+                <a:alphaOff val="0"/>
+                <a:lumMod val="105000"/>
+                <a:satMod val="109000"/>
+                <a:tint val="81000"/>
+              </a:schemeClr>
+            </a:gs>
+          </a:gsLst>
+          <a:lin ang="5400000" scaled="0"/>
+        </a:gradFill>
+        <a:ln>
+          <a:noFill/>
+        </a:ln>
+        <a:effectLst/>
+        <a:scene3d>
+          <a:camera prst="orthographicFront"/>
+          <a:lightRig rig="flat" dir="t"/>
+        </a:scene3d>
+        <a:sp3d prstMaterial="dkEdge">
+          <a:bevelT w="8200" h="38100"/>
+        </a:sp3d>
+      </dsp:spPr>
+      <dsp:style>
+        <a:lnRef idx="0">
+          <a:scrgbClr r="0" g="0" b="0"/>
+        </a:lnRef>
+        <a:fillRef idx="2">
+          <a:scrgbClr r="0" g="0" b="0"/>
+        </a:fillRef>
+        <a:effectRef idx="1">
+          <a:scrgbClr r="0" g="0" b="0"/>
+        </a:effectRef>
+        <a:fontRef idx="minor">
+          <a:schemeClr val="dk1"/>
+        </a:fontRef>
+      </dsp:style>
+      <dsp:txBody>
+        <a:bodyPr spcFirstLastPara="0" vert="horz" wrap="square" lIns="110490" tIns="110490" rIns="110490" bIns="110490" numCol="1" spcCol="1270" anchor="ctr" anchorCtr="0">
+          <a:noAutofit/>
+        </a:bodyPr>
+        <a:lstStyle/>
+        <a:p>
+          <a:pPr lvl="0" algn="ctr" defTabSz="1289050">
+            <a:lnSpc>
+              <a:spcPct val="90000"/>
+            </a:lnSpc>
+            <a:spcBef>
+              <a:spcPct val="0"/>
+            </a:spcBef>
+            <a:spcAft>
+              <a:spcPct val="35000"/>
+            </a:spcAft>
+          </a:pPr>
+          <a:r>
+            <a:rPr lang="en-US" sz="2900" kern="1200" dirty="0" smtClean="0"/>
+            <a:t>VIEW </a:t>
+          </a:r>
+        </a:p>
+        <a:p>
+          <a:pPr lvl="0" algn="ctr" defTabSz="1289050">
+            <a:lnSpc>
+              <a:spcPct val="90000"/>
+            </a:lnSpc>
+            <a:spcBef>
+              <a:spcPct val="0"/>
+            </a:spcBef>
+            <a:spcAft>
+              <a:spcPct val="35000"/>
+            </a:spcAft>
+          </a:pPr>
+          <a:r>
+            <a:rPr lang="en-US" sz="2900" kern="1200" dirty="0" smtClean="0"/>
+            <a:t>(Browser DOM)</a:t>
+          </a:r>
+          <a:endParaRPr lang="en-US" sz="2900" kern="1200" dirty="0"/>
+        </a:p>
+      </dsp:txBody>
+      <dsp:txXfrm>
+        <a:off x="6265344" y="2324136"/>
+        <a:ext cx="2909979" cy="1232885"/>
+      </dsp:txXfrm>
+    </dsp:sp>
+    <dsp:sp modelId="{42CB8E8F-9235-47EB-A19D-C6CA0A909844}">
+      <dsp:nvSpPr>
+        <dsp:cNvPr id="0" name=""/>
+        <dsp:cNvSpPr/>
+      </dsp:nvSpPr>
+      <dsp:spPr>
+        <a:xfrm>
+          <a:off x="2804896" y="280896"/>
+          <a:ext cx="4511512" cy="4511512"/>
+        </a:xfrm>
+        <a:custGeom>
+          <a:avLst/>
+          <a:gdLst/>
+          <a:ahLst/>
+          <a:cxnLst/>
+          <a:rect l="0" t="0" r="0" b="0"/>
+          <a:pathLst>
+            <a:path>
+              <a:moveTo>
+                <a:pt x="4099031" y="3556052"/>
+              </a:moveTo>
+              <a:arcTo wR="2255756" hR="2255756" stAng="2112011" swAng="1175978"/>
+            </a:path>
+          </a:pathLst>
+        </a:custGeom>
+        <a:noFill/>
+        <a:ln w="6350" cap="flat" cmpd="sng" algn="ctr">
+          <a:solidFill>
+            <a:schemeClr val="accent1">
+              <a:hueOff val="0"/>
+              <a:satOff val="0"/>
+              <a:lumOff val="0"/>
+              <a:alphaOff val="0"/>
+            </a:schemeClr>
+          </a:solidFill>
+          <a:prstDash val="solid"/>
+          <a:miter lim="800000"/>
+          <a:tailEnd type="arrow"/>
+        </a:ln>
+        <a:effectLst/>
+      </dsp:spPr>
+      <dsp:style>
+        <a:lnRef idx="1">
+          <a:scrgbClr r="0" g="0" b="0"/>
+        </a:lnRef>
+        <a:fillRef idx="0">
+          <a:scrgbClr r="0" g="0" b="0"/>
+        </a:fillRef>
+        <a:effectRef idx="0">
+          <a:scrgbClr r="0" g="0" b="0"/>
+        </a:effectRef>
+        <a:fontRef idx="minor"/>
+      </dsp:style>
+    </dsp:sp>
+    <dsp:sp modelId="{47D4394A-76CC-481F-8384-859C5A57053A}">
+      <dsp:nvSpPr>
+        <dsp:cNvPr id="0" name=""/>
+        <dsp:cNvSpPr/>
+      </dsp:nvSpPr>
+      <dsp:spPr>
+        <a:xfrm>
+          <a:off x="3194855" y="4513196"/>
+          <a:ext cx="4539445" cy="1366277"/>
+        </a:xfrm>
+        <a:prstGeom prst="roundRect">
+          <a:avLst/>
+        </a:prstGeom>
+        <a:gradFill rotWithShape="0">
+          <a:gsLst>
+            <a:gs pos="0">
+              <a:schemeClr val="accent1">
+                <a:hueOff val="0"/>
+                <a:satOff val="0"/>
+                <a:lumOff val="0"/>
+                <a:alphaOff val="0"/>
+                <a:lumMod val="110000"/>
+                <a:satMod val="105000"/>
+                <a:tint val="67000"/>
+              </a:schemeClr>
+            </a:gs>
+            <a:gs pos="50000">
+              <a:schemeClr val="accent1">
+                <a:hueOff val="0"/>
+                <a:satOff val="0"/>
+                <a:lumOff val="0"/>
+                <a:alphaOff val="0"/>
+                <a:lumMod val="105000"/>
+                <a:satMod val="103000"/>
+                <a:tint val="73000"/>
+              </a:schemeClr>
+            </a:gs>
+            <a:gs pos="100000">
+              <a:schemeClr val="accent1">
+                <a:hueOff val="0"/>
+                <a:satOff val="0"/>
+                <a:lumOff val="0"/>
+                <a:alphaOff val="0"/>
+                <a:lumMod val="105000"/>
+                <a:satMod val="109000"/>
+                <a:tint val="81000"/>
+              </a:schemeClr>
+            </a:gs>
+          </a:gsLst>
+          <a:lin ang="5400000" scaled="0"/>
+        </a:gradFill>
+        <a:ln>
+          <a:noFill/>
+        </a:ln>
+        <a:effectLst/>
+        <a:scene3d>
+          <a:camera prst="orthographicFront"/>
+          <a:lightRig rig="flat" dir="t"/>
+        </a:scene3d>
+        <a:sp3d prstMaterial="dkEdge">
+          <a:bevelT w="8200" h="38100"/>
+        </a:sp3d>
+      </dsp:spPr>
+      <dsp:style>
+        <a:lnRef idx="0">
+          <a:scrgbClr r="0" g="0" b="0"/>
+        </a:lnRef>
+        <a:fillRef idx="2">
+          <a:scrgbClr r="0" g="0" b="0"/>
+        </a:fillRef>
+        <a:effectRef idx="1">
+          <a:scrgbClr r="0" g="0" b="0"/>
+        </a:effectRef>
+        <a:fontRef idx="minor">
+          <a:schemeClr val="dk1"/>
+        </a:fontRef>
+      </dsp:style>
+      <dsp:txBody>
+        <a:bodyPr spcFirstLastPara="0" vert="horz" wrap="square" lIns="110490" tIns="110490" rIns="110490" bIns="110490" numCol="1" spcCol="1270" anchor="ctr" anchorCtr="0">
+          <a:noAutofit/>
+        </a:bodyPr>
+        <a:lstStyle/>
+        <a:p>
+          <a:pPr lvl="0" algn="ctr" defTabSz="1289050">
+            <a:lnSpc>
+              <a:spcPct val="90000"/>
+            </a:lnSpc>
+            <a:spcBef>
+              <a:spcPct val="0"/>
+            </a:spcBef>
+            <a:spcAft>
+              <a:spcPct val="35000"/>
+            </a:spcAft>
+          </a:pPr>
+          <a:r>
+            <a:rPr lang="en-US" sz="2900" kern="1200" dirty="0" smtClean="0"/>
+            <a:t>USER </a:t>
+          </a:r>
+          <a:endParaRPr lang="en-US" sz="2900" kern="1200" dirty="0"/>
+        </a:p>
+      </dsp:txBody>
+      <dsp:txXfrm>
+        <a:off x="3261551" y="4579892"/>
+        <a:ext cx="4406053" cy="1232885"/>
+      </dsp:txXfrm>
+    </dsp:sp>
+    <dsp:sp modelId="{537C0AAA-0EC5-49AE-9C3C-81AFC2BFAC78}">
+      <dsp:nvSpPr>
+        <dsp:cNvPr id="0" name=""/>
+        <dsp:cNvSpPr/>
+      </dsp:nvSpPr>
+      <dsp:spPr>
+        <a:xfrm>
+          <a:off x="3620989" y="279191"/>
+          <a:ext cx="4511512" cy="4511512"/>
+        </a:xfrm>
+        <a:custGeom>
+          <a:avLst/>
+          <a:gdLst/>
+          <a:ahLst/>
+          <a:cxnLst/>
+          <a:rect l="0" t="0" r="0" b="0"/>
+          <a:pathLst>
+            <a:path>
+              <a:moveTo>
+                <a:pt x="951326" y="4096109"/>
+              </a:moveTo>
+              <a:arcTo wR="2255756" hR="2255756" stAng="7519725" swAng="1218127"/>
+            </a:path>
+          </a:pathLst>
+        </a:custGeom>
+        <a:noFill/>
+        <a:ln w="6350" cap="flat" cmpd="sng" algn="ctr">
+          <a:solidFill>
+            <a:schemeClr val="accent1">
+              <a:hueOff val="0"/>
+              <a:satOff val="0"/>
+              <a:lumOff val="0"/>
+              <a:alphaOff val="0"/>
+            </a:schemeClr>
+          </a:solidFill>
+          <a:prstDash val="solid"/>
+          <a:miter lim="800000"/>
+          <a:tailEnd type="arrow"/>
+        </a:ln>
+        <a:effectLst/>
+      </dsp:spPr>
+      <dsp:style>
+        <a:lnRef idx="1">
+          <a:scrgbClr r="0" g="0" b="0"/>
+        </a:lnRef>
+        <a:fillRef idx="0">
+          <a:scrgbClr r="0" g="0" b="0"/>
+        </a:fillRef>
+        <a:effectRef idx="0">
+          <a:scrgbClr r="0" g="0" b="0"/>
+        </a:effectRef>
+        <a:fontRef idx="minor"/>
+      </dsp:style>
+    </dsp:sp>
+    <dsp:sp modelId="{C0B887FC-68C4-4F69-AA62-AB4DBDFE782B}">
+      <dsp:nvSpPr>
+        <dsp:cNvPr id="0" name=""/>
+        <dsp:cNvSpPr/>
+      </dsp:nvSpPr>
+      <dsp:spPr>
+        <a:xfrm>
+          <a:off x="1711735" y="2219346"/>
+          <a:ext cx="2994185" cy="1366277"/>
+        </a:xfrm>
+        <a:prstGeom prst="roundRect">
+          <a:avLst/>
+        </a:prstGeom>
+        <a:gradFill rotWithShape="0">
+          <a:gsLst>
+            <a:gs pos="0">
+              <a:schemeClr val="accent1">
+                <a:hueOff val="0"/>
+                <a:satOff val="0"/>
+                <a:lumOff val="0"/>
+                <a:alphaOff val="0"/>
+                <a:lumMod val="110000"/>
+                <a:satMod val="105000"/>
+                <a:tint val="67000"/>
+              </a:schemeClr>
+            </a:gs>
+            <a:gs pos="50000">
+              <a:schemeClr val="accent1">
+                <a:hueOff val="0"/>
+                <a:satOff val="0"/>
+                <a:lumOff val="0"/>
+                <a:alphaOff val="0"/>
+                <a:lumMod val="105000"/>
+                <a:satMod val="103000"/>
+                <a:tint val="73000"/>
+              </a:schemeClr>
+            </a:gs>
+            <a:gs pos="100000">
+              <a:schemeClr val="accent1">
+                <a:hueOff val="0"/>
+                <a:satOff val="0"/>
+                <a:lumOff val="0"/>
+                <a:alphaOff val="0"/>
+                <a:lumMod val="105000"/>
+                <a:satMod val="109000"/>
+                <a:tint val="81000"/>
+              </a:schemeClr>
+            </a:gs>
+          </a:gsLst>
+          <a:lin ang="5400000" scaled="0"/>
+        </a:gradFill>
+        <a:ln>
+          <a:noFill/>
+        </a:ln>
+        <a:effectLst/>
+        <a:scene3d>
+          <a:camera prst="orthographicFront"/>
+          <a:lightRig rig="flat" dir="t"/>
+        </a:scene3d>
+        <a:sp3d prstMaterial="dkEdge">
+          <a:bevelT w="8200" h="38100"/>
+        </a:sp3d>
+      </dsp:spPr>
+      <dsp:style>
+        <a:lnRef idx="0">
+          <a:scrgbClr r="0" g="0" b="0"/>
+        </a:lnRef>
+        <a:fillRef idx="2">
+          <a:scrgbClr r="0" g="0" b="0"/>
+        </a:fillRef>
+        <a:effectRef idx="1">
+          <a:scrgbClr r="0" g="0" b="0"/>
+        </a:effectRef>
+        <a:fontRef idx="minor">
+          <a:schemeClr val="dk1"/>
+        </a:fontRef>
+      </dsp:style>
+      <dsp:txBody>
+        <a:bodyPr spcFirstLastPara="0" vert="horz" wrap="square" lIns="106680" tIns="106680" rIns="106680" bIns="106680" numCol="1" spcCol="1270" anchor="ctr" anchorCtr="0">
+          <a:noAutofit/>
+        </a:bodyPr>
+        <a:lstStyle/>
+        <a:p>
+          <a:pPr lvl="0" algn="ctr" defTabSz="1244600">
+            <a:lnSpc>
+              <a:spcPct val="90000"/>
+            </a:lnSpc>
+            <a:spcBef>
+              <a:spcPct val="0"/>
+            </a:spcBef>
+            <a:spcAft>
+              <a:spcPct val="35000"/>
+            </a:spcAft>
+          </a:pPr>
+          <a:r>
+            <a:rPr lang="en-US" sz="2800" kern="1200" dirty="0" smtClean="0"/>
+            <a:t>CONTROLLER (Click events, etc.)</a:t>
+          </a:r>
+          <a:endParaRPr lang="en-US" sz="2800" kern="1200" dirty="0"/>
+        </a:p>
+      </dsp:txBody>
+      <dsp:txXfrm>
+        <a:off x="1778431" y="2286042"/>
+        <a:ext cx="2860793" cy="1232885"/>
+      </dsp:txXfrm>
+    </dsp:sp>
+    <dsp:sp modelId="{7FB5BA7D-E10A-40EE-BD04-773ED61CEFBB}">
+      <dsp:nvSpPr>
+        <dsp:cNvPr id="0" name=""/>
+        <dsp:cNvSpPr/>
+      </dsp:nvSpPr>
+      <dsp:spPr>
+        <a:xfrm>
+          <a:off x="3603997" y="1087106"/>
+          <a:ext cx="4511512" cy="4511512"/>
+        </a:xfrm>
+        <a:custGeom>
+          <a:avLst/>
+          <a:gdLst/>
+          <a:ahLst/>
+          <a:cxnLst/>
+          <a:rect l="0" t="0" r="0" b="0"/>
+          <a:pathLst>
+            <a:path>
+              <a:moveTo>
+                <a:pt x="431769" y="928538"/>
+              </a:moveTo>
+              <a:arcTo wR="2255756" hR="2255756" stAng="12962483" swAng="1133573"/>
+            </a:path>
+          </a:pathLst>
+        </a:custGeom>
+        <a:noFill/>
+        <a:ln w="6350" cap="flat" cmpd="sng" algn="ctr">
+          <a:solidFill>
+            <a:schemeClr val="accent1">
+              <a:hueOff val="0"/>
+              <a:satOff val="0"/>
+              <a:lumOff val="0"/>
+              <a:alphaOff val="0"/>
+            </a:schemeClr>
+          </a:solidFill>
+          <a:prstDash val="solid"/>
+          <a:miter lim="800000"/>
+          <a:tailEnd type="arrow"/>
+        </a:ln>
+        <a:effectLst/>
+      </dsp:spPr>
+      <dsp:style>
+        <a:lnRef idx="1">
+          <a:scrgbClr r="0" g="0" b="0"/>
+        </a:lnRef>
+        <a:fillRef idx="0">
+          <a:scrgbClr r="0" g="0" b="0"/>
+        </a:fillRef>
+        <a:effectRef idx="0">
+          <a:scrgbClr r="0" g="0" b="0"/>
+        </a:effectRef>
+        <a:fontRef idx="minor"/>
+      </dsp:style>
+    </dsp:sp>
   </dsp:spTree>
 </dsp:drawing>
 </file>
@@ -7009,6 +8072,84 @@
       <dsp:cNvGrpSpPr/>
     </dsp:nvGrpSpPr>
     <dsp:grpSpPr/>
+    <dsp:sp modelId="{49D8894D-0D36-4692-B021-117D1E73DE50}">
+      <dsp:nvSpPr>
+        <dsp:cNvPr id="0" name=""/>
+        <dsp:cNvSpPr/>
+      </dsp:nvSpPr>
+      <dsp:spPr>
+        <a:xfrm>
+          <a:off x="1229883" y="463"/>
+          <a:ext cx="2712308" cy="1084923"/>
+        </a:xfrm>
+        <a:prstGeom prst="chevron">
+          <a:avLst/>
+        </a:prstGeom>
+        <a:solidFill>
+          <a:schemeClr val="accent1">
+            <a:hueOff val="0"/>
+            <a:satOff val="0"/>
+            <a:lumOff val="0"/>
+            <a:alphaOff val="0"/>
+          </a:schemeClr>
+        </a:solidFill>
+        <a:ln w="12700" cap="flat" cmpd="sng" algn="ctr">
+          <a:solidFill>
+            <a:schemeClr val="lt1">
+              <a:hueOff val="0"/>
+              <a:satOff val="0"/>
+              <a:lumOff val="0"/>
+              <a:alphaOff val="0"/>
+            </a:schemeClr>
+          </a:solidFill>
+          <a:prstDash val="solid"/>
+          <a:miter lim="800000"/>
+        </a:ln>
+        <a:effectLst/>
+      </dsp:spPr>
+      <dsp:style>
+        <a:lnRef idx="2">
+          <a:scrgbClr r="0" g="0" b="0"/>
+        </a:lnRef>
+        <a:fillRef idx="1">
+          <a:scrgbClr r="0" g="0" b="0"/>
+        </a:fillRef>
+        <a:effectRef idx="0">
+          <a:scrgbClr r="0" g="0" b="0"/>
+        </a:effectRef>
+        <a:fontRef idx="minor">
+          <a:schemeClr val="lt1"/>
+        </a:fontRef>
+      </dsp:style>
+      <dsp:txBody>
+        <a:bodyPr spcFirstLastPara="0" vert="horz" wrap="square" lIns="46990" tIns="23495" rIns="0" bIns="23495" numCol="1" spcCol="1270" anchor="ctr" anchorCtr="0">
+          <a:noAutofit/>
+        </a:bodyPr>
+        <a:lstStyle/>
+        <a:p>
+          <a:pPr lvl="0" algn="ctr" defTabSz="1644650" rtl="0">
+            <a:lnSpc>
+              <a:spcPct val="90000"/>
+            </a:lnSpc>
+            <a:spcBef>
+              <a:spcPct val="0"/>
+            </a:spcBef>
+            <a:spcAft>
+              <a:spcPct val="35000"/>
+            </a:spcAft>
+          </a:pPr>
+          <a:r>
+            <a:rPr lang="en-US" sz="3700" kern="1200" dirty="0" smtClean="0"/>
+            <a:t>Why React?</a:t>
+          </a:r>
+          <a:endParaRPr lang="en-US" sz="3700" kern="1200" dirty="0"/>
+        </a:p>
+      </dsp:txBody>
+      <dsp:txXfrm>
+        <a:off x="1772345" y="463"/>
+        <a:ext cx="1627385" cy="1084923"/>
+      </dsp:txXfrm>
+    </dsp:sp>
   </dsp:spTree>
 </dsp:drawing>
 </file>
@@ -7021,6 +8162,396 @@
       <dsp:cNvGrpSpPr/>
     </dsp:nvGrpSpPr>
     <dsp:grpSpPr/>
+    <dsp:sp modelId="{7C28A8C2-4274-43FF-B9CC-A39D52C7BA6F}">
+      <dsp:nvSpPr>
+        <dsp:cNvPr id="0" name=""/>
+        <dsp:cNvSpPr/>
+      </dsp:nvSpPr>
+      <dsp:spPr>
+        <a:xfrm>
+          <a:off x="0" y="570041"/>
+          <a:ext cx="11454714" cy="527670"/>
+        </a:xfrm>
+        <a:prstGeom prst="roundRect">
+          <a:avLst/>
+        </a:prstGeom>
+        <a:solidFill>
+          <a:schemeClr val="accent1">
+            <a:hueOff val="0"/>
+            <a:satOff val="0"/>
+            <a:lumOff val="0"/>
+            <a:alphaOff val="0"/>
+          </a:schemeClr>
+        </a:solidFill>
+        <a:ln w="12700" cap="flat" cmpd="sng" algn="ctr">
+          <a:solidFill>
+            <a:schemeClr val="lt1">
+              <a:hueOff val="0"/>
+              <a:satOff val="0"/>
+              <a:lumOff val="0"/>
+              <a:alphaOff val="0"/>
+            </a:schemeClr>
+          </a:solidFill>
+          <a:prstDash val="solid"/>
+          <a:miter lim="800000"/>
+        </a:ln>
+        <a:effectLst/>
+      </dsp:spPr>
+      <dsp:style>
+        <a:lnRef idx="2">
+          <a:scrgbClr r="0" g="0" b="0"/>
+        </a:lnRef>
+        <a:fillRef idx="1">
+          <a:scrgbClr r="0" g="0" b="0"/>
+        </a:fillRef>
+        <a:effectRef idx="0">
+          <a:scrgbClr r="0" g="0" b="0"/>
+        </a:effectRef>
+        <a:fontRef idx="minor">
+          <a:schemeClr val="lt1"/>
+        </a:fontRef>
+      </dsp:style>
+      <dsp:txBody>
+        <a:bodyPr spcFirstLastPara="0" vert="horz" wrap="square" lIns="83820" tIns="83820" rIns="83820" bIns="83820" numCol="1" spcCol="1270" anchor="ctr" anchorCtr="0">
+          <a:noAutofit/>
+        </a:bodyPr>
+        <a:lstStyle/>
+        <a:p>
+          <a:pPr lvl="0" algn="l" defTabSz="977900" rtl="0">
+            <a:lnSpc>
+              <a:spcPct val="90000"/>
+            </a:lnSpc>
+            <a:spcBef>
+              <a:spcPct val="0"/>
+            </a:spcBef>
+            <a:spcAft>
+              <a:spcPct val="35000"/>
+            </a:spcAft>
+          </a:pPr>
+          <a:r>
+            <a:rPr lang="en-HK" sz="2200" kern="1200" dirty="0" smtClean="0"/>
+            <a:t>Can produce 200,000 virtual DOM nodes a second</a:t>
+          </a:r>
+          <a:endParaRPr lang="en-US" sz="2200" kern="1200" dirty="0"/>
+        </a:p>
+      </dsp:txBody>
+      <dsp:txXfrm>
+        <a:off x="25759" y="595800"/>
+        <a:ext cx="11403196" cy="476152"/>
+      </dsp:txXfrm>
+    </dsp:sp>
+    <dsp:sp modelId="{66349103-2F22-4071-B3DB-A728A4AB40C9}">
+      <dsp:nvSpPr>
+        <dsp:cNvPr id="0" name=""/>
+        <dsp:cNvSpPr/>
+      </dsp:nvSpPr>
+      <dsp:spPr>
+        <a:xfrm>
+          <a:off x="0" y="1161071"/>
+          <a:ext cx="11454714" cy="527670"/>
+        </a:xfrm>
+        <a:prstGeom prst="roundRect">
+          <a:avLst/>
+        </a:prstGeom>
+        <a:solidFill>
+          <a:schemeClr val="accent1">
+            <a:hueOff val="0"/>
+            <a:satOff val="0"/>
+            <a:lumOff val="0"/>
+            <a:alphaOff val="0"/>
+          </a:schemeClr>
+        </a:solidFill>
+        <a:ln w="12700" cap="flat" cmpd="sng" algn="ctr">
+          <a:solidFill>
+            <a:schemeClr val="lt1">
+              <a:hueOff val="0"/>
+              <a:satOff val="0"/>
+              <a:lumOff val="0"/>
+              <a:alphaOff val="0"/>
+            </a:schemeClr>
+          </a:solidFill>
+          <a:prstDash val="solid"/>
+          <a:miter lim="800000"/>
+        </a:ln>
+        <a:effectLst/>
+      </dsp:spPr>
+      <dsp:style>
+        <a:lnRef idx="2">
+          <a:scrgbClr r="0" g="0" b="0"/>
+        </a:lnRef>
+        <a:fillRef idx="1">
+          <a:scrgbClr r="0" g="0" b="0"/>
+        </a:fillRef>
+        <a:effectRef idx="0">
+          <a:scrgbClr r="0" g="0" b="0"/>
+        </a:effectRef>
+        <a:fontRef idx="minor">
+          <a:schemeClr val="lt1"/>
+        </a:fontRef>
+      </dsp:style>
+      <dsp:txBody>
+        <a:bodyPr spcFirstLastPara="0" vert="horz" wrap="square" lIns="83820" tIns="83820" rIns="83820" bIns="83820" numCol="1" spcCol="1270" anchor="ctr" anchorCtr="0">
+          <a:noAutofit/>
+        </a:bodyPr>
+        <a:lstStyle/>
+        <a:p>
+          <a:pPr lvl="0" algn="l" defTabSz="977900" rtl="0">
+            <a:lnSpc>
+              <a:spcPct val="90000"/>
+            </a:lnSpc>
+            <a:spcBef>
+              <a:spcPct val="0"/>
+            </a:spcBef>
+            <a:spcAft>
+              <a:spcPct val="35000"/>
+            </a:spcAft>
+          </a:pPr>
+          <a:r>
+            <a:rPr lang="en-US" sz="2200" kern="1200" dirty="0" smtClean="0"/>
+            <a:t>React website – (https://facebook.github.io/react/docs/reconciliation.html)</a:t>
+          </a:r>
+          <a:endParaRPr lang="en-US" sz="2200" kern="1200" dirty="0"/>
+        </a:p>
+      </dsp:txBody>
+      <dsp:txXfrm>
+        <a:off x="25759" y="1186830"/>
+        <a:ext cx="11403196" cy="476152"/>
+      </dsp:txXfrm>
+    </dsp:sp>
+    <dsp:sp modelId="{45BA92F0-EA2D-4945-B781-A853A3FB9EE9}">
+      <dsp:nvSpPr>
+        <dsp:cNvPr id="0" name=""/>
+        <dsp:cNvSpPr/>
+      </dsp:nvSpPr>
+      <dsp:spPr>
+        <a:xfrm>
+          <a:off x="0" y="1752101"/>
+          <a:ext cx="11454714" cy="527670"/>
+        </a:xfrm>
+        <a:prstGeom prst="roundRect">
+          <a:avLst/>
+        </a:prstGeom>
+        <a:solidFill>
+          <a:schemeClr val="accent1">
+            <a:hueOff val="0"/>
+            <a:satOff val="0"/>
+            <a:lumOff val="0"/>
+            <a:alphaOff val="0"/>
+          </a:schemeClr>
+        </a:solidFill>
+        <a:ln w="12700" cap="flat" cmpd="sng" algn="ctr">
+          <a:solidFill>
+            <a:schemeClr val="lt1">
+              <a:hueOff val="0"/>
+              <a:satOff val="0"/>
+              <a:lumOff val="0"/>
+              <a:alphaOff val="0"/>
+            </a:schemeClr>
+          </a:solidFill>
+          <a:prstDash val="solid"/>
+          <a:miter lim="800000"/>
+        </a:ln>
+        <a:effectLst/>
+      </dsp:spPr>
+      <dsp:style>
+        <a:lnRef idx="2">
+          <a:scrgbClr r="0" g="0" b="0"/>
+        </a:lnRef>
+        <a:fillRef idx="1">
+          <a:scrgbClr r="0" g="0" b="0"/>
+        </a:fillRef>
+        <a:effectRef idx="0">
+          <a:scrgbClr r="0" g="0" b="0"/>
+        </a:effectRef>
+        <a:fontRef idx="minor">
+          <a:schemeClr val="lt1"/>
+        </a:fontRef>
+      </dsp:style>
+      <dsp:txBody>
+        <a:bodyPr spcFirstLastPara="0" vert="horz" wrap="square" lIns="83820" tIns="83820" rIns="83820" bIns="83820" numCol="1" spcCol="1270" anchor="ctr" anchorCtr="0">
+          <a:noAutofit/>
+        </a:bodyPr>
+        <a:lstStyle/>
+        <a:p>
+          <a:pPr lvl="0" algn="l" defTabSz="977900" rtl="0">
+            <a:lnSpc>
+              <a:spcPct val="90000"/>
+            </a:lnSpc>
+            <a:spcBef>
+              <a:spcPct val="0"/>
+            </a:spcBef>
+            <a:spcAft>
+              <a:spcPct val="35000"/>
+            </a:spcAft>
+          </a:pPr>
+          <a:r>
+            <a:rPr lang="en-US" sz="2200" kern="1200" dirty="0" smtClean="0"/>
+            <a:t>Allows creating composite web pages – Web Components</a:t>
+          </a:r>
+          <a:endParaRPr lang="en-US" sz="2200" kern="1200" dirty="0"/>
+        </a:p>
+      </dsp:txBody>
+      <dsp:txXfrm>
+        <a:off x="25759" y="1777860"/>
+        <a:ext cx="11403196" cy="476152"/>
+      </dsp:txXfrm>
+    </dsp:sp>
+    <dsp:sp modelId="{C3077C1D-E40C-4F23-B9F4-F5F7DCF33D34}">
+      <dsp:nvSpPr>
+        <dsp:cNvPr id="0" name=""/>
+        <dsp:cNvSpPr/>
+      </dsp:nvSpPr>
+      <dsp:spPr>
+        <a:xfrm>
+          <a:off x="0" y="2343131"/>
+          <a:ext cx="11454714" cy="527670"/>
+        </a:xfrm>
+        <a:prstGeom prst="roundRect">
+          <a:avLst/>
+        </a:prstGeom>
+        <a:solidFill>
+          <a:schemeClr val="accent1">
+            <a:hueOff val="0"/>
+            <a:satOff val="0"/>
+            <a:lumOff val="0"/>
+            <a:alphaOff val="0"/>
+          </a:schemeClr>
+        </a:solidFill>
+        <a:ln w="12700" cap="flat" cmpd="sng" algn="ctr">
+          <a:solidFill>
+            <a:schemeClr val="lt1">
+              <a:hueOff val="0"/>
+              <a:satOff val="0"/>
+              <a:lumOff val="0"/>
+              <a:alphaOff val="0"/>
+            </a:schemeClr>
+          </a:solidFill>
+          <a:prstDash val="solid"/>
+          <a:miter lim="800000"/>
+        </a:ln>
+        <a:effectLst/>
+      </dsp:spPr>
+      <dsp:style>
+        <a:lnRef idx="2">
+          <a:scrgbClr r="0" g="0" b="0"/>
+        </a:lnRef>
+        <a:fillRef idx="1">
+          <a:scrgbClr r="0" g="0" b="0"/>
+        </a:fillRef>
+        <a:effectRef idx="0">
+          <a:scrgbClr r="0" g="0" b="0"/>
+        </a:effectRef>
+        <a:fontRef idx="minor">
+          <a:schemeClr val="lt1"/>
+        </a:fontRef>
+      </dsp:style>
+      <dsp:txBody>
+        <a:bodyPr spcFirstLastPara="0" vert="horz" wrap="square" lIns="83820" tIns="83820" rIns="83820" bIns="83820" numCol="1" spcCol="1270" anchor="ctr" anchorCtr="0">
+          <a:noAutofit/>
+        </a:bodyPr>
+        <a:lstStyle/>
+        <a:p>
+          <a:pPr lvl="0" algn="l" defTabSz="977900" rtl="0">
+            <a:lnSpc>
+              <a:spcPct val="90000"/>
+            </a:lnSpc>
+            <a:spcBef>
+              <a:spcPct val="0"/>
+            </a:spcBef>
+            <a:spcAft>
+              <a:spcPct val="35000"/>
+            </a:spcAft>
+          </a:pPr>
+          <a:r>
+            <a:rPr lang="en-US" sz="2200" kern="1200" dirty="0" smtClean="0"/>
+            <a:t>We can create both Web as well as Mobile apps </a:t>
+          </a:r>
+          <a:endParaRPr lang="en-US" sz="2200" kern="1200" dirty="0"/>
+        </a:p>
+      </dsp:txBody>
+      <dsp:txXfrm>
+        <a:off x="25759" y="2368890"/>
+        <a:ext cx="11403196" cy="476152"/>
+      </dsp:txXfrm>
+    </dsp:sp>
+    <dsp:sp modelId="{CD816F83-39DD-4D50-84CD-98BC7E7C121D}">
+      <dsp:nvSpPr>
+        <dsp:cNvPr id="0" name=""/>
+        <dsp:cNvSpPr/>
+      </dsp:nvSpPr>
+      <dsp:spPr>
+        <a:xfrm>
+          <a:off x="0" y="2934161"/>
+          <a:ext cx="11454714" cy="527670"/>
+        </a:xfrm>
+        <a:prstGeom prst="roundRect">
+          <a:avLst/>
+        </a:prstGeom>
+        <a:solidFill>
+          <a:schemeClr val="accent1">
+            <a:hueOff val="0"/>
+            <a:satOff val="0"/>
+            <a:lumOff val="0"/>
+            <a:alphaOff val="0"/>
+          </a:schemeClr>
+        </a:solidFill>
+        <a:ln w="12700" cap="flat" cmpd="sng" algn="ctr">
+          <a:solidFill>
+            <a:schemeClr val="lt1">
+              <a:hueOff val="0"/>
+              <a:satOff val="0"/>
+              <a:lumOff val="0"/>
+              <a:alphaOff val="0"/>
+            </a:schemeClr>
+          </a:solidFill>
+          <a:prstDash val="solid"/>
+          <a:miter lim="800000"/>
+        </a:ln>
+        <a:effectLst/>
+      </dsp:spPr>
+      <dsp:style>
+        <a:lnRef idx="2">
+          <a:scrgbClr r="0" g="0" b="0"/>
+        </a:lnRef>
+        <a:fillRef idx="1">
+          <a:scrgbClr r="0" g="0" b="0"/>
+        </a:fillRef>
+        <a:effectRef idx="0">
+          <a:scrgbClr r="0" g="0" b="0"/>
+        </a:effectRef>
+        <a:fontRef idx="minor">
+          <a:schemeClr val="lt1"/>
+        </a:fontRef>
+      </dsp:style>
+      <dsp:txBody>
+        <a:bodyPr spcFirstLastPara="0" vert="horz" wrap="square" lIns="83820" tIns="83820" rIns="83820" bIns="83820" numCol="1" spcCol="1270" anchor="ctr" anchorCtr="0">
+          <a:noAutofit/>
+        </a:bodyPr>
+        <a:lstStyle/>
+        <a:p>
+          <a:pPr lvl="0" algn="l" defTabSz="977900" rtl="0">
+            <a:lnSpc>
+              <a:spcPct val="90000"/>
+            </a:lnSpc>
+            <a:spcBef>
+              <a:spcPct val="0"/>
+            </a:spcBef>
+            <a:spcAft>
+              <a:spcPct val="35000"/>
+            </a:spcAft>
+          </a:pPr>
+          <a:r>
+            <a:rPr lang="en-US" sz="2200" kern="1200" dirty="0" smtClean="0"/>
+            <a:t>Open source, mainly maintained by Facebook – Large community contributing to React Component </a:t>
+          </a:r>
+          <a:endParaRPr lang="en-US" sz="2200" kern="1200" dirty="0"/>
+        </a:p>
+      </dsp:txBody>
+      <dsp:txXfrm>
+        <a:off x="25759" y="2959920"/>
+        <a:ext cx="11403196" cy="476152"/>
+      </dsp:txXfrm>
+    </dsp:sp>
   </dsp:spTree>
 </dsp:drawing>
 </file>
@@ -7033,6 +8564,84 @@
       <dsp:cNvGrpSpPr/>
     </dsp:nvGrpSpPr>
     <dsp:grpSpPr/>
+    <dsp:sp modelId="{49D8894D-0D36-4692-B021-117D1E73DE50}">
+      <dsp:nvSpPr>
+        <dsp:cNvPr id="0" name=""/>
+        <dsp:cNvSpPr/>
+      </dsp:nvSpPr>
+      <dsp:spPr>
+        <a:xfrm>
+          <a:off x="0" y="14923"/>
+          <a:ext cx="5172074" cy="2068830"/>
+        </a:xfrm>
+        <a:prstGeom prst="chevron">
+          <a:avLst/>
+        </a:prstGeom>
+        <a:solidFill>
+          <a:schemeClr val="accent1">
+            <a:hueOff val="0"/>
+            <a:satOff val="0"/>
+            <a:lumOff val="0"/>
+            <a:alphaOff val="0"/>
+          </a:schemeClr>
+        </a:solidFill>
+        <a:ln w="12700" cap="flat" cmpd="sng" algn="ctr">
+          <a:solidFill>
+            <a:schemeClr val="lt1">
+              <a:hueOff val="0"/>
+              <a:satOff val="0"/>
+              <a:lumOff val="0"/>
+              <a:alphaOff val="0"/>
+            </a:schemeClr>
+          </a:solidFill>
+          <a:prstDash val="solid"/>
+          <a:miter lim="800000"/>
+        </a:ln>
+        <a:effectLst/>
+      </dsp:spPr>
+      <dsp:style>
+        <a:lnRef idx="2">
+          <a:scrgbClr r="0" g="0" b="0"/>
+        </a:lnRef>
+        <a:fillRef idx="1">
+          <a:scrgbClr r="0" g="0" b="0"/>
+        </a:fillRef>
+        <a:effectRef idx="0">
+          <a:scrgbClr r="0" g="0" b="0"/>
+        </a:effectRef>
+        <a:fontRef idx="minor">
+          <a:schemeClr val="lt1"/>
+        </a:fontRef>
+      </dsp:style>
+      <dsp:txBody>
+        <a:bodyPr spcFirstLastPara="0" vert="horz" wrap="square" lIns="82550" tIns="41275" rIns="0" bIns="41275" numCol="1" spcCol="1270" anchor="ctr" anchorCtr="0">
+          <a:noAutofit/>
+        </a:bodyPr>
+        <a:lstStyle/>
+        <a:p>
+          <a:pPr lvl="0" algn="ctr" defTabSz="2889250" rtl="0">
+            <a:lnSpc>
+              <a:spcPct val="90000"/>
+            </a:lnSpc>
+            <a:spcBef>
+              <a:spcPct val="0"/>
+            </a:spcBef>
+            <a:spcAft>
+              <a:spcPct val="35000"/>
+            </a:spcAft>
+          </a:pPr>
+          <a:r>
+            <a:rPr lang="en-US" sz="6500" kern="1200" dirty="0" smtClean="0"/>
+            <a:t>DEMO</a:t>
+          </a:r>
+          <a:endParaRPr lang="en-US" sz="6500" kern="1200" dirty="0"/>
+        </a:p>
+      </dsp:txBody>
+      <dsp:txXfrm>
+        <a:off x="1034415" y="14923"/>
+        <a:ext cx="3103244" cy="2068830"/>
+      </dsp:txXfrm>
+    </dsp:sp>
   </dsp:spTree>
 </dsp:drawing>
 </file>
@@ -16314,7 +17923,7 @@
           <a:p>
             <a:fld id="{23E88434-08F3-4832-9606-2C40898E3478}" type="datetimeFigureOut">
               <a:rPr lang="en-US" smtClean="0"/>
-              <a:t>10/6/2019</a:t>
+              <a:t>10/8/2019</a:t>
             </a:fld>
             <a:endParaRPr lang="en-US"/>
           </a:p>
@@ -17217,7 +18826,7 @@
           <a:p>
             <a:fld id="{6D690AEF-DB67-49BD-9E54-F40E8C7582BA}" type="datetime1">
               <a:rPr lang="en-US" smtClean="0"/>
-              <a:t>10/6/2019</a:t>
+              <a:t>10/8/2019</a:t>
             </a:fld>
             <a:endParaRPr lang="en-US"/>
           </a:p>
@@ -17391,7 +19000,7 @@
           <a:p>
             <a:fld id="{A78BE1D8-405D-4B84-A8C8-DBC5BE51F15B}" type="datetime1">
               <a:rPr lang="en-US" smtClean="0"/>
-              <a:t>10/6/2019</a:t>
+              <a:t>10/8/2019</a:t>
             </a:fld>
             <a:endParaRPr lang="en-US"/>
           </a:p>
@@ -17575,7 +19184,7 @@
           <a:p>
             <a:fld id="{3FE1536C-DEC2-44D0-B9D9-3AB4339E093C}" type="datetime1">
               <a:rPr lang="en-US" smtClean="0"/>
-              <a:t>10/6/2019</a:t>
+              <a:t>10/8/2019</a:t>
             </a:fld>
             <a:endParaRPr lang="en-US"/>
           </a:p>
@@ -17749,7 +19358,7 @@
           <a:p>
             <a:fld id="{D91D272B-1C4B-4FA4-AF5A-C12904DD83C9}" type="datetime1">
               <a:rPr lang="en-US" smtClean="0"/>
-              <a:t>10/6/2019</a:t>
+              <a:t>10/8/2019</a:t>
             </a:fld>
             <a:endParaRPr lang="en-US"/>
           </a:p>
@@ -17999,7 +19608,7 @@
           <a:p>
             <a:fld id="{A8008784-DE3C-42A1-BCEA-605E3D211D77}" type="datetime1">
               <a:rPr lang="en-US" smtClean="0"/>
-              <a:t>10/6/2019</a:t>
+              <a:t>10/8/2019</a:t>
             </a:fld>
             <a:endParaRPr lang="en-US"/>
           </a:p>
@@ -18235,7 +19844,7 @@
           <a:p>
             <a:fld id="{137DD620-5B3C-4E43-922F-D84B839E2CA3}" type="datetime1">
               <a:rPr lang="en-US" smtClean="0"/>
-              <a:t>10/6/2019</a:t>
+              <a:t>10/8/2019</a:t>
             </a:fld>
             <a:endParaRPr lang="en-US"/>
           </a:p>
@@ -18606,7 +20215,7 @@
           <a:p>
             <a:fld id="{53765656-739C-40EC-B65A-49E394B724D2}" type="datetime1">
               <a:rPr lang="en-US" smtClean="0"/>
-              <a:t>10/6/2019</a:t>
+              <a:t>10/8/2019</a:t>
             </a:fld>
             <a:endParaRPr lang="en-US"/>
           </a:p>
@@ -18728,7 +20337,7 @@
           <a:p>
             <a:fld id="{DBFEFA4E-AEA9-4A2F-B71D-15B6264E6A09}" type="datetime1">
               <a:rPr lang="en-US" smtClean="0"/>
-              <a:t>10/6/2019</a:t>
+              <a:t>10/8/2019</a:t>
             </a:fld>
             <a:endParaRPr lang="en-US"/>
           </a:p>
@@ -18827,7 +20436,7 @@
           <a:p>
             <a:fld id="{1A0AC173-44A8-423D-8D20-2F8F36CC1054}" type="datetime1">
               <a:rPr lang="en-US" smtClean="0"/>
-              <a:t>10/6/2019</a:t>
+              <a:t>10/8/2019</a:t>
             </a:fld>
             <a:endParaRPr lang="en-US"/>
           </a:p>
@@ -19115,7 +20724,7 @@
           <a:p>
             <a:fld id="{52F0B284-A710-4726-8BA0-160B20228744}" type="datetime1">
               <a:rPr lang="en-US" smtClean="0"/>
-              <a:t>10/6/2019</a:t>
+              <a:t>10/8/2019</a:t>
             </a:fld>
             <a:endParaRPr lang="en-US"/>
           </a:p>
@@ -19372,7 +20981,7 @@
           <a:p>
             <a:fld id="{32DEC8DF-2C3F-46B7-B1F3-83533583D3C6}" type="datetime1">
               <a:rPr lang="en-US" smtClean="0"/>
-              <a:t>10/6/2019</a:t>
+              <a:t>10/8/2019</a:t>
             </a:fld>
             <a:endParaRPr lang="en-US"/>
           </a:p>
@@ -19589,7 +21198,7 @@
           <a:p>
             <a:fld id="{B024E63D-6728-4FD5-B56A-39A568F3BFF8}" type="datetime1">
               <a:rPr lang="en-US" smtClean="0"/>
-              <a:t>10/6/2019</a:t>
+              <a:t>10/8/2019</a:t>
             </a:fld>
             <a:endParaRPr lang="en-US"/>
           </a:p>
